--- a/assembly/usb_and_header_position.pptx
+++ b/assembly/usb_and_header_position.pptx
@@ -7,14 +7,14 @@
   <p:sldIdLst>
     <p:sldId id="256" r:id="rId2"/>
   </p:sldIdLst>
-  <p:sldSz cx="9144000" cy="6858000" type="screen4x3"/>
+  <p:sldSz cx="12801600" cy="12601575"/>
   <p:notesSz cx="6858000" cy="9144000"/>
   <p:defaultTextStyle>
     <a:defPPr>
       <a:defRPr lang="en-US"/>
     </a:defPPr>
-    <a:lvl1pPr marL="0" algn="l" defTabSz="914400" rtl="0" eaLnBrk="1" latinLnBrk="0" hangingPunct="1">
-      <a:defRPr sz="1800" kern="1200">
+    <a:lvl1pPr marL="0" algn="l" defTabSz="1280160" rtl="0" eaLnBrk="1" latinLnBrk="0" hangingPunct="1">
+      <a:defRPr sz="2500" kern="1200">
         <a:solidFill>
           <a:schemeClr val="tx1"/>
         </a:solidFill>
@@ -23,8 +23,8 @@
         <a:cs typeface="+mn-cs"/>
       </a:defRPr>
     </a:lvl1pPr>
-    <a:lvl2pPr marL="457200" algn="l" defTabSz="914400" rtl="0" eaLnBrk="1" latinLnBrk="0" hangingPunct="1">
-      <a:defRPr sz="1800" kern="1200">
+    <a:lvl2pPr marL="640080" algn="l" defTabSz="1280160" rtl="0" eaLnBrk="1" latinLnBrk="0" hangingPunct="1">
+      <a:defRPr sz="2500" kern="1200">
         <a:solidFill>
           <a:schemeClr val="tx1"/>
         </a:solidFill>
@@ -33,8 +33,8 @@
         <a:cs typeface="+mn-cs"/>
       </a:defRPr>
     </a:lvl2pPr>
-    <a:lvl3pPr marL="914400" algn="l" defTabSz="914400" rtl="0" eaLnBrk="1" latinLnBrk="0" hangingPunct="1">
-      <a:defRPr sz="1800" kern="1200">
+    <a:lvl3pPr marL="1280160" algn="l" defTabSz="1280160" rtl="0" eaLnBrk="1" latinLnBrk="0" hangingPunct="1">
+      <a:defRPr sz="2500" kern="1200">
         <a:solidFill>
           <a:schemeClr val="tx1"/>
         </a:solidFill>
@@ -43,8 +43,8 @@
         <a:cs typeface="+mn-cs"/>
       </a:defRPr>
     </a:lvl3pPr>
-    <a:lvl4pPr marL="1371600" algn="l" defTabSz="914400" rtl="0" eaLnBrk="1" latinLnBrk="0" hangingPunct="1">
-      <a:defRPr sz="1800" kern="1200">
+    <a:lvl4pPr marL="1920240" algn="l" defTabSz="1280160" rtl="0" eaLnBrk="1" latinLnBrk="0" hangingPunct="1">
+      <a:defRPr sz="2500" kern="1200">
         <a:solidFill>
           <a:schemeClr val="tx1"/>
         </a:solidFill>
@@ -53,8 +53,8 @@
         <a:cs typeface="+mn-cs"/>
       </a:defRPr>
     </a:lvl4pPr>
-    <a:lvl5pPr marL="1828800" algn="l" defTabSz="914400" rtl="0" eaLnBrk="1" latinLnBrk="0" hangingPunct="1">
-      <a:defRPr sz="1800" kern="1200">
+    <a:lvl5pPr marL="2560320" algn="l" defTabSz="1280160" rtl="0" eaLnBrk="1" latinLnBrk="0" hangingPunct="1">
+      <a:defRPr sz="2500" kern="1200">
         <a:solidFill>
           <a:schemeClr val="tx1"/>
         </a:solidFill>
@@ -63,8 +63,8 @@
         <a:cs typeface="+mn-cs"/>
       </a:defRPr>
     </a:lvl5pPr>
-    <a:lvl6pPr marL="2286000" algn="l" defTabSz="914400" rtl="0" eaLnBrk="1" latinLnBrk="0" hangingPunct="1">
-      <a:defRPr sz="1800" kern="1200">
+    <a:lvl6pPr marL="3200400" algn="l" defTabSz="1280160" rtl="0" eaLnBrk="1" latinLnBrk="0" hangingPunct="1">
+      <a:defRPr sz="2500" kern="1200">
         <a:solidFill>
           <a:schemeClr val="tx1"/>
         </a:solidFill>
@@ -73,8 +73,8 @@
         <a:cs typeface="+mn-cs"/>
       </a:defRPr>
     </a:lvl6pPr>
-    <a:lvl7pPr marL="2743200" algn="l" defTabSz="914400" rtl="0" eaLnBrk="1" latinLnBrk="0" hangingPunct="1">
-      <a:defRPr sz="1800" kern="1200">
+    <a:lvl7pPr marL="3840480" algn="l" defTabSz="1280160" rtl="0" eaLnBrk="1" latinLnBrk="0" hangingPunct="1">
+      <a:defRPr sz="2500" kern="1200">
         <a:solidFill>
           <a:schemeClr val="tx1"/>
         </a:solidFill>
@@ -83,8 +83,8 @@
         <a:cs typeface="+mn-cs"/>
       </a:defRPr>
     </a:lvl7pPr>
-    <a:lvl8pPr marL="3200400" algn="l" defTabSz="914400" rtl="0" eaLnBrk="1" latinLnBrk="0" hangingPunct="1">
-      <a:defRPr sz="1800" kern="1200">
+    <a:lvl8pPr marL="4480560" algn="l" defTabSz="1280160" rtl="0" eaLnBrk="1" latinLnBrk="0" hangingPunct="1">
+      <a:defRPr sz="2500" kern="1200">
         <a:solidFill>
           <a:schemeClr val="tx1"/>
         </a:solidFill>
@@ -93,8 +93,8 @@
         <a:cs typeface="+mn-cs"/>
       </a:defRPr>
     </a:lvl8pPr>
-    <a:lvl9pPr marL="3657600" algn="l" defTabSz="914400" rtl="0" eaLnBrk="1" latinLnBrk="0" hangingPunct="1">
-      <a:defRPr sz="1800" kern="1200">
+    <a:lvl9pPr marL="5120640" algn="l" defTabSz="1280160" rtl="0" eaLnBrk="1" latinLnBrk="0" hangingPunct="1">
+      <a:defRPr sz="2500" kern="1200">
         <a:solidFill>
           <a:schemeClr val="tx1"/>
         </a:solidFill>
@@ -136,8 +136,8 @@
         </p:nvSpPr>
         <p:spPr>
           <a:xfrm>
-            <a:off x="685800" y="2130425"/>
-            <a:ext cx="7772400" cy="1470025"/>
+            <a:off x="960120" y="3914661"/>
+            <a:ext cx="10881360" cy="2701171"/>
           </a:xfrm>
         </p:spPr>
         <p:txBody>
@@ -164,8 +164,8 @@
         </p:nvSpPr>
         <p:spPr>
           <a:xfrm>
-            <a:off x="1371600" y="3886200"/>
-            <a:ext cx="6400800" cy="1752600"/>
+            <a:off x="1920240" y="7140892"/>
+            <a:ext cx="8961120" cy="3220403"/>
           </a:xfrm>
         </p:spPr>
         <p:txBody>
@@ -181,7 +181,7 @@
                 </a:solidFill>
               </a:defRPr>
             </a:lvl1pPr>
-            <a:lvl2pPr marL="457200" indent="0" algn="ctr">
+            <a:lvl2pPr marL="640080" indent="0" algn="ctr">
               <a:buNone/>
               <a:defRPr>
                 <a:solidFill>
@@ -191,7 +191,7 @@
                 </a:solidFill>
               </a:defRPr>
             </a:lvl2pPr>
-            <a:lvl3pPr marL="914400" indent="0" algn="ctr">
+            <a:lvl3pPr marL="1280160" indent="0" algn="ctr">
               <a:buNone/>
               <a:defRPr>
                 <a:solidFill>
@@ -201,7 +201,7 @@
                 </a:solidFill>
               </a:defRPr>
             </a:lvl3pPr>
-            <a:lvl4pPr marL="1371600" indent="0" algn="ctr">
+            <a:lvl4pPr marL="1920240" indent="0" algn="ctr">
               <a:buNone/>
               <a:defRPr>
                 <a:solidFill>
@@ -211,7 +211,7 @@
                 </a:solidFill>
               </a:defRPr>
             </a:lvl4pPr>
-            <a:lvl5pPr marL="1828800" indent="0" algn="ctr">
+            <a:lvl5pPr marL="2560320" indent="0" algn="ctr">
               <a:buNone/>
               <a:defRPr>
                 <a:solidFill>
@@ -221,7 +221,7 @@
                 </a:solidFill>
               </a:defRPr>
             </a:lvl5pPr>
-            <a:lvl6pPr marL="2286000" indent="0" algn="ctr">
+            <a:lvl6pPr marL="3200400" indent="0" algn="ctr">
               <a:buNone/>
               <a:defRPr>
                 <a:solidFill>
@@ -231,7 +231,7 @@
                 </a:solidFill>
               </a:defRPr>
             </a:lvl6pPr>
-            <a:lvl7pPr marL="2743200" indent="0" algn="ctr">
+            <a:lvl7pPr marL="3840480" indent="0" algn="ctr">
               <a:buNone/>
               <a:defRPr>
                 <a:solidFill>
@@ -241,7 +241,7 @@
                 </a:solidFill>
               </a:defRPr>
             </a:lvl7pPr>
-            <a:lvl8pPr marL="3200400" indent="0" algn="ctr">
+            <a:lvl8pPr marL="4480560" indent="0" algn="ctr">
               <a:buNone/>
               <a:defRPr>
                 <a:solidFill>
@@ -251,7 +251,7 @@
                 </a:solidFill>
               </a:defRPr>
             </a:lvl8pPr>
-            <a:lvl9pPr marL="3657600" indent="0" algn="ctr">
+            <a:lvl9pPr marL="5120640" indent="0" algn="ctr">
               <a:buNone/>
               <a:defRPr>
                 <a:solidFill>
@@ -548,8 +548,8 @@
         </p:nvSpPr>
         <p:spPr>
           <a:xfrm>
-            <a:off x="6629400" y="274638"/>
-            <a:ext cx="2057400" cy="5851525"/>
+            <a:off x="9281160" y="504652"/>
+            <a:ext cx="2880360" cy="10752177"/>
           </a:xfrm>
         </p:spPr>
         <p:txBody>
@@ -576,8 +576,8 @@
         </p:nvSpPr>
         <p:spPr>
           <a:xfrm>
-            <a:off x="457200" y="274638"/>
-            <a:ext cx="6019800" cy="5851525"/>
+            <a:off x="640080" y="504652"/>
+            <a:ext cx="8427720" cy="10752177"/>
           </a:xfrm>
         </p:spPr>
         <p:txBody>
@@ -898,15 +898,15 @@
         </p:nvSpPr>
         <p:spPr>
           <a:xfrm>
-            <a:off x="722313" y="4406900"/>
-            <a:ext cx="7772400" cy="1362075"/>
+            <a:off x="1011238" y="8097683"/>
+            <a:ext cx="10881360" cy="2502813"/>
           </a:xfrm>
         </p:spPr>
         <p:txBody>
           <a:bodyPr anchor="t"/>
           <a:lstStyle>
             <a:lvl1pPr algn="l">
-              <a:defRPr sz="4000" b="1" cap="all"/>
+              <a:defRPr sz="5600" b="1" cap="all"/>
             </a:lvl1pPr>
           </a:lstStyle>
           <a:p>
@@ -930,14 +930,44 @@
         </p:nvSpPr>
         <p:spPr>
           <a:xfrm>
-            <a:off x="722313" y="2906713"/>
-            <a:ext cx="7772400" cy="1500187"/>
+            <a:off x="1011238" y="5341086"/>
+            <a:ext cx="10881360" cy="2756594"/>
           </a:xfrm>
         </p:spPr>
         <p:txBody>
           <a:bodyPr anchor="b"/>
           <a:lstStyle>
             <a:lvl1pPr marL="0" indent="0">
+              <a:buNone/>
+              <a:defRPr sz="2800">
+                <a:solidFill>
+                  <a:schemeClr val="tx1">
+                    <a:tint val="75000"/>
+                  </a:schemeClr>
+                </a:solidFill>
+              </a:defRPr>
+            </a:lvl1pPr>
+            <a:lvl2pPr marL="640080" indent="0">
+              <a:buNone/>
+              <a:defRPr sz="2500">
+                <a:solidFill>
+                  <a:schemeClr val="tx1">
+                    <a:tint val="75000"/>
+                  </a:schemeClr>
+                </a:solidFill>
+              </a:defRPr>
+            </a:lvl2pPr>
+            <a:lvl3pPr marL="1280160" indent="0">
+              <a:buNone/>
+              <a:defRPr sz="2200">
+                <a:solidFill>
+                  <a:schemeClr val="tx1">
+                    <a:tint val="75000"/>
+                  </a:schemeClr>
+                </a:solidFill>
+              </a:defRPr>
+            </a:lvl3pPr>
+            <a:lvl4pPr marL="1920240" indent="0">
               <a:buNone/>
               <a:defRPr sz="2000">
                 <a:solidFill>
@@ -946,40 +976,10 @@
                   </a:schemeClr>
                 </a:solidFill>
               </a:defRPr>
-            </a:lvl1pPr>
-            <a:lvl2pPr marL="457200" indent="0">
+            </a:lvl4pPr>
+            <a:lvl5pPr marL="2560320" indent="0">
               <a:buNone/>
-              <a:defRPr sz="1800">
-                <a:solidFill>
-                  <a:schemeClr val="tx1">
-                    <a:tint val="75000"/>
-                  </a:schemeClr>
-                </a:solidFill>
-              </a:defRPr>
-            </a:lvl2pPr>
-            <a:lvl3pPr marL="914400" indent="0">
-              <a:buNone/>
-              <a:defRPr sz="1600">
-                <a:solidFill>
-                  <a:schemeClr val="tx1">
-                    <a:tint val="75000"/>
-                  </a:schemeClr>
-                </a:solidFill>
-              </a:defRPr>
-            </a:lvl3pPr>
-            <a:lvl4pPr marL="1371600" indent="0">
-              <a:buNone/>
-              <a:defRPr sz="1400">
-                <a:solidFill>
-                  <a:schemeClr val="tx1">
-                    <a:tint val="75000"/>
-                  </a:schemeClr>
-                </a:solidFill>
-              </a:defRPr>
-            </a:lvl4pPr>
-            <a:lvl5pPr marL="1828800" indent="0">
-              <a:buNone/>
-              <a:defRPr sz="1400">
+              <a:defRPr sz="2000">
                 <a:solidFill>
                   <a:schemeClr val="tx1">
                     <a:tint val="75000"/>
@@ -987,9 +987,9 @@
                 </a:solidFill>
               </a:defRPr>
             </a:lvl5pPr>
-            <a:lvl6pPr marL="2286000" indent="0">
+            <a:lvl6pPr marL="3200400" indent="0">
               <a:buNone/>
-              <a:defRPr sz="1400">
+              <a:defRPr sz="2000">
                 <a:solidFill>
                   <a:schemeClr val="tx1">
                     <a:tint val="75000"/>
@@ -997,9 +997,9 @@
                 </a:solidFill>
               </a:defRPr>
             </a:lvl6pPr>
-            <a:lvl7pPr marL="2743200" indent="0">
+            <a:lvl7pPr marL="3840480" indent="0">
               <a:buNone/>
-              <a:defRPr sz="1400">
+              <a:defRPr sz="2000">
                 <a:solidFill>
                   <a:schemeClr val="tx1">
                     <a:tint val="75000"/>
@@ -1007,9 +1007,9 @@
                 </a:solidFill>
               </a:defRPr>
             </a:lvl7pPr>
-            <a:lvl8pPr marL="3200400" indent="0">
+            <a:lvl8pPr marL="4480560" indent="0">
               <a:buNone/>
-              <a:defRPr sz="1400">
+              <a:defRPr sz="2000">
                 <a:solidFill>
                   <a:schemeClr val="tx1">
                     <a:tint val="75000"/>
@@ -1017,9 +1017,9 @@
                 </a:solidFill>
               </a:defRPr>
             </a:lvl8pPr>
-            <a:lvl9pPr marL="3657600" indent="0">
+            <a:lvl9pPr marL="5120640" indent="0">
               <a:buNone/>
-              <a:defRPr sz="1400">
+              <a:defRPr sz="2000">
                 <a:solidFill>
                   <a:schemeClr val="tx1">
                     <a:tint val="75000"/>
@@ -1167,39 +1167,39 @@
         </p:nvSpPr>
         <p:spPr>
           <a:xfrm>
-            <a:off x="457200" y="1600200"/>
-            <a:ext cx="4038600" cy="4525963"/>
+            <a:off x="640080" y="2940370"/>
+            <a:ext cx="5654040" cy="8316457"/>
           </a:xfrm>
         </p:spPr>
         <p:txBody>
           <a:bodyPr/>
           <a:lstStyle>
             <a:lvl1pPr>
-              <a:defRPr sz="2800"/>
+              <a:defRPr sz="3900"/>
             </a:lvl1pPr>
             <a:lvl2pPr>
-              <a:defRPr sz="2400"/>
+              <a:defRPr sz="3400"/>
             </a:lvl2pPr>
             <a:lvl3pPr>
-              <a:defRPr sz="2000"/>
+              <a:defRPr sz="2800"/>
             </a:lvl3pPr>
             <a:lvl4pPr>
-              <a:defRPr sz="1800"/>
+              <a:defRPr sz="2500"/>
             </a:lvl4pPr>
             <a:lvl5pPr>
-              <a:defRPr sz="1800"/>
+              <a:defRPr sz="2500"/>
             </a:lvl5pPr>
             <a:lvl6pPr>
-              <a:defRPr sz="1800"/>
+              <a:defRPr sz="2500"/>
             </a:lvl6pPr>
             <a:lvl7pPr>
-              <a:defRPr sz="1800"/>
+              <a:defRPr sz="2500"/>
             </a:lvl7pPr>
             <a:lvl8pPr>
-              <a:defRPr sz="1800"/>
+              <a:defRPr sz="2500"/>
             </a:lvl8pPr>
             <a:lvl9pPr>
-              <a:defRPr sz="1800"/>
+              <a:defRPr sz="2500"/>
             </a:lvl9pPr>
           </a:lstStyle>
           <a:p>
@@ -1252,39 +1252,39 @@
         </p:nvSpPr>
         <p:spPr>
           <a:xfrm>
-            <a:off x="4648200" y="1600200"/>
-            <a:ext cx="4038600" cy="4525963"/>
+            <a:off x="6507480" y="2940370"/>
+            <a:ext cx="5654040" cy="8316457"/>
           </a:xfrm>
         </p:spPr>
         <p:txBody>
           <a:bodyPr/>
           <a:lstStyle>
             <a:lvl1pPr>
-              <a:defRPr sz="2800"/>
+              <a:defRPr sz="3900"/>
             </a:lvl1pPr>
             <a:lvl2pPr>
-              <a:defRPr sz="2400"/>
+              <a:defRPr sz="3400"/>
             </a:lvl2pPr>
             <a:lvl3pPr>
-              <a:defRPr sz="2000"/>
+              <a:defRPr sz="2800"/>
             </a:lvl3pPr>
             <a:lvl4pPr>
-              <a:defRPr sz="1800"/>
+              <a:defRPr sz="2500"/>
             </a:lvl4pPr>
             <a:lvl5pPr>
-              <a:defRPr sz="1800"/>
+              <a:defRPr sz="2500"/>
             </a:lvl5pPr>
             <a:lvl6pPr>
-              <a:defRPr sz="1800"/>
+              <a:defRPr sz="2500"/>
             </a:lvl6pPr>
             <a:lvl7pPr>
-              <a:defRPr sz="1800"/>
+              <a:defRPr sz="2500"/>
             </a:lvl7pPr>
             <a:lvl8pPr>
-              <a:defRPr sz="1800"/>
+              <a:defRPr sz="2500"/>
             </a:lvl8pPr>
             <a:lvl9pPr>
-              <a:defRPr sz="1800"/>
+              <a:defRPr sz="2500"/>
             </a:lvl9pPr>
           </a:lstStyle>
           <a:p>
@@ -1459,8 +1459,8 @@
         </p:nvSpPr>
         <p:spPr>
           <a:xfrm>
-            <a:off x="457200" y="1535113"/>
-            <a:ext cx="4040188" cy="639762"/>
+            <a:off x="640082" y="2820773"/>
+            <a:ext cx="5656263" cy="1175563"/>
           </a:xfrm>
         </p:spPr>
         <p:txBody>
@@ -1468,39 +1468,39 @@
           <a:lstStyle>
             <a:lvl1pPr marL="0" indent="0">
               <a:buNone/>
-              <a:defRPr sz="2400" b="1"/>
+              <a:defRPr sz="3400" b="1"/>
             </a:lvl1pPr>
-            <a:lvl2pPr marL="457200" indent="0">
+            <a:lvl2pPr marL="640080" indent="0">
               <a:buNone/>
-              <a:defRPr sz="2000" b="1"/>
+              <a:defRPr sz="2800" b="1"/>
             </a:lvl2pPr>
-            <a:lvl3pPr marL="914400" indent="0">
+            <a:lvl3pPr marL="1280160" indent="0">
               <a:buNone/>
-              <a:defRPr sz="1800" b="1"/>
+              <a:defRPr sz="2500" b="1"/>
             </a:lvl3pPr>
-            <a:lvl4pPr marL="1371600" indent="0">
+            <a:lvl4pPr marL="1920240" indent="0">
               <a:buNone/>
-              <a:defRPr sz="1600" b="1"/>
+              <a:defRPr sz="2200" b="1"/>
             </a:lvl4pPr>
-            <a:lvl5pPr marL="1828800" indent="0">
+            <a:lvl5pPr marL="2560320" indent="0">
               <a:buNone/>
-              <a:defRPr sz="1600" b="1"/>
+              <a:defRPr sz="2200" b="1"/>
             </a:lvl5pPr>
-            <a:lvl6pPr marL="2286000" indent="0">
+            <a:lvl6pPr marL="3200400" indent="0">
               <a:buNone/>
-              <a:defRPr sz="1600" b="1"/>
+              <a:defRPr sz="2200" b="1"/>
             </a:lvl6pPr>
-            <a:lvl7pPr marL="2743200" indent="0">
+            <a:lvl7pPr marL="3840480" indent="0">
               <a:buNone/>
-              <a:defRPr sz="1600" b="1"/>
+              <a:defRPr sz="2200" b="1"/>
             </a:lvl7pPr>
-            <a:lvl8pPr marL="3200400" indent="0">
+            <a:lvl8pPr marL="4480560" indent="0">
               <a:buNone/>
-              <a:defRPr sz="1600" b="1"/>
+              <a:defRPr sz="2200" b="1"/>
             </a:lvl8pPr>
-            <a:lvl9pPr marL="3657600" indent="0">
+            <a:lvl9pPr marL="5120640" indent="0">
               <a:buNone/>
-              <a:defRPr sz="1600" b="1"/>
+              <a:defRPr sz="2200" b="1"/>
             </a:lvl9pPr>
           </a:lstStyle>
           <a:p>
@@ -1524,39 +1524,39 @@
         </p:nvSpPr>
         <p:spPr>
           <a:xfrm>
-            <a:off x="457200" y="2174875"/>
-            <a:ext cx="4040188" cy="3951288"/>
+            <a:off x="640082" y="3996336"/>
+            <a:ext cx="5656263" cy="7260491"/>
           </a:xfrm>
         </p:spPr>
         <p:txBody>
           <a:bodyPr/>
           <a:lstStyle>
             <a:lvl1pPr>
-              <a:defRPr sz="2400"/>
+              <a:defRPr sz="3400"/>
             </a:lvl1pPr>
             <a:lvl2pPr>
-              <a:defRPr sz="2000"/>
+              <a:defRPr sz="2800"/>
             </a:lvl2pPr>
             <a:lvl3pPr>
-              <a:defRPr sz="1800"/>
+              <a:defRPr sz="2500"/>
             </a:lvl3pPr>
             <a:lvl4pPr>
-              <a:defRPr sz="1600"/>
+              <a:defRPr sz="2200"/>
             </a:lvl4pPr>
             <a:lvl5pPr>
-              <a:defRPr sz="1600"/>
+              <a:defRPr sz="2200"/>
             </a:lvl5pPr>
             <a:lvl6pPr>
-              <a:defRPr sz="1600"/>
+              <a:defRPr sz="2200"/>
             </a:lvl6pPr>
             <a:lvl7pPr>
-              <a:defRPr sz="1600"/>
+              <a:defRPr sz="2200"/>
             </a:lvl7pPr>
             <a:lvl8pPr>
-              <a:defRPr sz="1600"/>
+              <a:defRPr sz="2200"/>
             </a:lvl8pPr>
             <a:lvl9pPr>
-              <a:defRPr sz="1600"/>
+              <a:defRPr sz="2200"/>
             </a:lvl9pPr>
           </a:lstStyle>
           <a:p>
@@ -1609,8 +1609,8 @@
         </p:nvSpPr>
         <p:spPr>
           <a:xfrm>
-            <a:off x="4645025" y="1535113"/>
-            <a:ext cx="4041775" cy="639762"/>
+            <a:off x="6503036" y="2820773"/>
+            <a:ext cx="5658485" cy="1175563"/>
           </a:xfrm>
         </p:spPr>
         <p:txBody>
@@ -1618,39 +1618,39 @@
           <a:lstStyle>
             <a:lvl1pPr marL="0" indent="0">
               <a:buNone/>
-              <a:defRPr sz="2400" b="1"/>
+              <a:defRPr sz="3400" b="1"/>
             </a:lvl1pPr>
-            <a:lvl2pPr marL="457200" indent="0">
+            <a:lvl2pPr marL="640080" indent="0">
               <a:buNone/>
-              <a:defRPr sz="2000" b="1"/>
+              <a:defRPr sz="2800" b="1"/>
             </a:lvl2pPr>
-            <a:lvl3pPr marL="914400" indent="0">
+            <a:lvl3pPr marL="1280160" indent="0">
               <a:buNone/>
-              <a:defRPr sz="1800" b="1"/>
+              <a:defRPr sz="2500" b="1"/>
             </a:lvl3pPr>
-            <a:lvl4pPr marL="1371600" indent="0">
+            <a:lvl4pPr marL="1920240" indent="0">
               <a:buNone/>
-              <a:defRPr sz="1600" b="1"/>
+              <a:defRPr sz="2200" b="1"/>
             </a:lvl4pPr>
-            <a:lvl5pPr marL="1828800" indent="0">
+            <a:lvl5pPr marL="2560320" indent="0">
               <a:buNone/>
-              <a:defRPr sz="1600" b="1"/>
+              <a:defRPr sz="2200" b="1"/>
             </a:lvl5pPr>
-            <a:lvl6pPr marL="2286000" indent="0">
+            <a:lvl6pPr marL="3200400" indent="0">
               <a:buNone/>
-              <a:defRPr sz="1600" b="1"/>
+              <a:defRPr sz="2200" b="1"/>
             </a:lvl6pPr>
-            <a:lvl7pPr marL="2743200" indent="0">
+            <a:lvl7pPr marL="3840480" indent="0">
               <a:buNone/>
-              <a:defRPr sz="1600" b="1"/>
+              <a:defRPr sz="2200" b="1"/>
             </a:lvl7pPr>
-            <a:lvl8pPr marL="3200400" indent="0">
+            <a:lvl8pPr marL="4480560" indent="0">
               <a:buNone/>
-              <a:defRPr sz="1600" b="1"/>
+              <a:defRPr sz="2200" b="1"/>
             </a:lvl8pPr>
-            <a:lvl9pPr marL="3657600" indent="0">
+            <a:lvl9pPr marL="5120640" indent="0">
               <a:buNone/>
-              <a:defRPr sz="1600" b="1"/>
+              <a:defRPr sz="2200" b="1"/>
             </a:lvl9pPr>
           </a:lstStyle>
           <a:p>
@@ -1674,39 +1674,39 @@
         </p:nvSpPr>
         <p:spPr>
           <a:xfrm>
-            <a:off x="4645025" y="2174875"/>
-            <a:ext cx="4041775" cy="3951288"/>
+            <a:off x="6503036" y="3996336"/>
+            <a:ext cx="5658485" cy="7260491"/>
           </a:xfrm>
         </p:spPr>
         <p:txBody>
           <a:bodyPr/>
           <a:lstStyle>
             <a:lvl1pPr>
-              <a:defRPr sz="2400"/>
+              <a:defRPr sz="3400"/>
             </a:lvl1pPr>
             <a:lvl2pPr>
-              <a:defRPr sz="2000"/>
+              <a:defRPr sz="2800"/>
             </a:lvl2pPr>
             <a:lvl3pPr>
-              <a:defRPr sz="1800"/>
+              <a:defRPr sz="2500"/>
             </a:lvl3pPr>
             <a:lvl4pPr>
-              <a:defRPr sz="1600"/>
+              <a:defRPr sz="2200"/>
             </a:lvl4pPr>
             <a:lvl5pPr>
-              <a:defRPr sz="1600"/>
+              <a:defRPr sz="2200"/>
             </a:lvl5pPr>
             <a:lvl6pPr>
-              <a:defRPr sz="1600"/>
+              <a:defRPr sz="2200"/>
             </a:lvl6pPr>
             <a:lvl7pPr>
-              <a:defRPr sz="1600"/>
+              <a:defRPr sz="2200"/>
             </a:lvl7pPr>
             <a:lvl8pPr>
-              <a:defRPr sz="1600"/>
+              <a:defRPr sz="2200"/>
             </a:lvl8pPr>
             <a:lvl9pPr>
-              <a:defRPr sz="1600"/>
+              <a:defRPr sz="2200"/>
             </a:lvl9pPr>
           </a:lstStyle>
           <a:p>
@@ -2067,15 +2067,15 @@
         </p:nvSpPr>
         <p:spPr>
           <a:xfrm>
-            <a:off x="457200" y="273050"/>
-            <a:ext cx="3008313" cy="1162050"/>
+            <a:off x="640081" y="501729"/>
+            <a:ext cx="4211638" cy="2135267"/>
           </a:xfrm>
         </p:spPr>
         <p:txBody>
           <a:bodyPr anchor="b"/>
           <a:lstStyle>
             <a:lvl1pPr algn="l">
-              <a:defRPr sz="2000" b="1"/>
+              <a:defRPr sz="2800" b="1"/>
             </a:lvl1pPr>
           </a:lstStyle>
           <a:p>
@@ -2099,39 +2099,39 @@
         </p:nvSpPr>
         <p:spPr>
           <a:xfrm>
-            <a:off x="3575050" y="273050"/>
-            <a:ext cx="5111750" cy="5853113"/>
+            <a:off x="5005070" y="501732"/>
+            <a:ext cx="7156450" cy="10755095"/>
           </a:xfrm>
         </p:spPr>
         <p:txBody>
           <a:bodyPr/>
           <a:lstStyle>
             <a:lvl1pPr>
-              <a:defRPr sz="3200"/>
+              <a:defRPr sz="4500"/>
             </a:lvl1pPr>
             <a:lvl2pPr>
-              <a:defRPr sz="2800"/>
+              <a:defRPr sz="3900"/>
             </a:lvl2pPr>
             <a:lvl3pPr>
-              <a:defRPr sz="2400"/>
+              <a:defRPr sz="3400"/>
             </a:lvl3pPr>
             <a:lvl4pPr>
-              <a:defRPr sz="2000"/>
+              <a:defRPr sz="2800"/>
             </a:lvl4pPr>
             <a:lvl5pPr>
-              <a:defRPr sz="2000"/>
+              <a:defRPr sz="2800"/>
             </a:lvl5pPr>
             <a:lvl6pPr>
-              <a:defRPr sz="2000"/>
+              <a:defRPr sz="2800"/>
             </a:lvl6pPr>
             <a:lvl7pPr>
-              <a:defRPr sz="2000"/>
+              <a:defRPr sz="2800"/>
             </a:lvl7pPr>
             <a:lvl8pPr>
-              <a:defRPr sz="2000"/>
+              <a:defRPr sz="2800"/>
             </a:lvl8pPr>
             <a:lvl9pPr>
-              <a:defRPr sz="2000"/>
+              <a:defRPr sz="2800"/>
             </a:lvl9pPr>
           </a:lstStyle>
           <a:p>
@@ -2184,8 +2184,8 @@
         </p:nvSpPr>
         <p:spPr>
           <a:xfrm>
-            <a:off x="457200" y="1435100"/>
-            <a:ext cx="3008313" cy="4691063"/>
+            <a:off x="640081" y="2636998"/>
+            <a:ext cx="4211638" cy="8619828"/>
           </a:xfrm>
         </p:spPr>
         <p:txBody>
@@ -2193,39 +2193,39 @@
           <a:lstStyle>
             <a:lvl1pPr marL="0" indent="0">
               <a:buNone/>
+              <a:defRPr sz="2000"/>
+            </a:lvl1pPr>
+            <a:lvl2pPr marL="640080" indent="0">
+              <a:buNone/>
+              <a:defRPr sz="1700"/>
+            </a:lvl2pPr>
+            <a:lvl3pPr marL="1280160" indent="0">
+              <a:buNone/>
               <a:defRPr sz="1400"/>
-            </a:lvl1pPr>
-            <a:lvl2pPr marL="457200" indent="0">
+            </a:lvl3pPr>
+            <a:lvl4pPr marL="1920240" indent="0">
               <a:buNone/>
-              <a:defRPr sz="1200"/>
-            </a:lvl2pPr>
-            <a:lvl3pPr marL="914400" indent="0">
+              <a:defRPr sz="1300"/>
+            </a:lvl4pPr>
+            <a:lvl5pPr marL="2560320" indent="0">
               <a:buNone/>
-              <a:defRPr sz="1000"/>
-            </a:lvl3pPr>
-            <a:lvl4pPr marL="1371600" indent="0">
+              <a:defRPr sz="1300"/>
+            </a:lvl5pPr>
+            <a:lvl6pPr marL="3200400" indent="0">
               <a:buNone/>
-              <a:defRPr sz="900"/>
-            </a:lvl4pPr>
-            <a:lvl5pPr marL="1828800" indent="0">
+              <a:defRPr sz="1300"/>
+            </a:lvl6pPr>
+            <a:lvl7pPr marL="3840480" indent="0">
               <a:buNone/>
-              <a:defRPr sz="900"/>
-            </a:lvl5pPr>
-            <a:lvl6pPr marL="2286000" indent="0">
+              <a:defRPr sz="1300"/>
+            </a:lvl7pPr>
+            <a:lvl8pPr marL="4480560" indent="0">
               <a:buNone/>
-              <a:defRPr sz="900"/>
-            </a:lvl6pPr>
-            <a:lvl7pPr marL="2743200" indent="0">
+              <a:defRPr sz="1300"/>
+            </a:lvl8pPr>
+            <a:lvl9pPr marL="5120640" indent="0">
               <a:buNone/>
-              <a:defRPr sz="900"/>
-            </a:lvl7pPr>
-            <a:lvl8pPr marL="3200400" indent="0">
-              <a:buNone/>
-              <a:defRPr sz="900"/>
-            </a:lvl8pPr>
-            <a:lvl9pPr marL="3657600" indent="0">
-              <a:buNone/>
-              <a:defRPr sz="900"/>
+              <a:defRPr sz="1300"/>
             </a:lvl9pPr>
           </a:lstStyle>
           <a:p>
@@ -2344,15 +2344,15 @@
         </p:nvSpPr>
         <p:spPr>
           <a:xfrm>
-            <a:off x="1792288" y="4800600"/>
-            <a:ext cx="5486400" cy="566738"/>
+            <a:off x="2509203" y="8821106"/>
+            <a:ext cx="7680960" cy="1041381"/>
           </a:xfrm>
         </p:spPr>
         <p:txBody>
           <a:bodyPr anchor="b"/>
           <a:lstStyle>
             <a:lvl1pPr algn="l">
-              <a:defRPr sz="2000" b="1"/>
+              <a:defRPr sz="2800" b="1"/>
             </a:lvl1pPr>
           </a:lstStyle>
           <a:p>
@@ -2376,8 +2376,8 @@
         </p:nvSpPr>
         <p:spPr>
           <a:xfrm>
-            <a:off x="1792288" y="612775"/>
-            <a:ext cx="5486400" cy="4114800"/>
+            <a:off x="2509203" y="1125974"/>
+            <a:ext cx="7680960" cy="7560945"/>
           </a:xfrm>
         </p:spPr>
         <p:txBody>
@@ -2385,39 +2385,39 @@
           <a:lstStyle>
             <a:lvl1pPr marL="0" indent="0">
               <a:buNone/>
-              <a:defRPr sz="3200"/>
+              <a:defRPr sz="4500"/>
             </a:lvl1pPr>
-            <a:lvl2pPr marL="457200" indent="0">
+            <a:lvl2pPr marL="640080" indent="0">
+              <a:buNone/>
+              <a:defRPr sz="3900"/>
+            </a:lvl2pPr>
+            <a:lvl3pPr marL="1280160" indent="0">
+              <a:buNone/>
+              <a:defRPr sz="3400"/>
+            </a:lvl3pPr>
+            <a:lvl4pPr marL="1920240" indent="0">
               <a:buNone/>
               <a:defRPr sz="2800"/>
-            </a:lvl2pPr>
-            <a:lvl3pPr marL="914400" indent="0">
+            </a:lvl4pPr>
+            <a:lvl5pPr marL="2560320" indent="0">
               <a:buNone/>
-              <a:defRPr sz="2400"/>
-            </a:lvl3pPr>
-            <a:lvl4pPr marL="1371600" indent="0">
+              <a:defRPr sz="2800"/>
+            </a:lvl5pPr>
+            <a:lvl6pPr marL="3200400" indent="0">
               <a:buNone/>
-              <a:defRPr sz="2000"/>
-            </a:lvl4pPr>
-            <a:lvl5pPr marL="1828800" indent="0">
+              <a:defRPr sz="2800"/>
+            </a:lvl6pPr>
+            <a:lvl7pPr marL="3840480" indent="0">
               <a:buNone/>
-              <a:defRPr sz="2000"/>
-            </a:lvl5pPr>
-            <a:lvl6pPr marL="2286000" indent="0">
+              <a:defRPr sz="2800"/>
+            </a:lvl7pPr>
+            <a:lvl8pPr marL="4480560" indent="0">
               <a:buNone/>
-              <a:defRPr sz="2000"/>
-            </a:lvl6pPr>
-            <a:lvl7pPr marL="2743200" indent="0">
+              <a:defRPr sz="2800"/>
+            </a:lvl8pPr>
+            <a:lvl9pPr marL="5120640" indent="0">
               <a:buNone/>
-              <a:defRPr sz="2000"/>
-            </a:lvl7pPr>
-            <a:lvl8pPr marL="3200400" indent="0">
-              <a:buNone/>
-              <a:defRPr sz="2000"/>
-            </a:lvl8pPr>
-            <a:lvl9pPr marL="3657600" indent="0">
-              <a:buNone/>
-              <a:defRPr sz="2000"/>
+              <a:defRPr sz="2800"/>
             </a:lvl9pPr>
           </a:lstStyle>
           <a:p>
@@ -2437,8 +2437,8 @@
         </p:nvSpPr>
         <p:spPr>
           <a:xfrm>
-            <a:off x="1792288" y="5367338"/>
-            <a:ext cx="5486400" cy="804862"/>
+            <a:off x="2509203" y="9862484"/>
+            <a:ext cx="7680960" cy="1478934"/>
           </a:xfrm>
         </p:spPr>
         <p:txBody>
@@ -2446,39 +2446,39 @@
           <a:lstStyle>
             <a:lvl1pPr marL="0" indent="0">
               <a:buNone/>
+              <a:defRPr sz="2000"/>
+            </a:lvl1pPr>
+            <a:lvl2pPr marL="640080" indent="0">
+              <a:buNone/>
+              <a:defRPr sz="1700"/>
+            </a:lvl2pPr>
+            <a:lvl3pPr marL="1280160" indent="0">
+              <a:buNone/>
               <a:defRPr sz="1400"/>
-            </a:lvl1pPr>
-            <a:lvl2pPr marL="457200" indent="0">
+            </a:lvl3pPr>
+            <a:lvl4pPr marL="1920240" indent="0">
               <a:buNone/>
-              <a:defRPr sz="1200"/>
-            </a:lvl2pPr>
-            <a:lvl3pPr marL="914400" indent="0">
+              <a:defRPr sz="1300"/>
+            </a:lvl4pPr>
+            <a:lvl5pPr marL="2560320" indent="0">
               <a:buNone/>
-              <a:defRPr sz="1000"/>
-            </a:lvl3pPr>
-            <a:lvl4pPr marL="1371600" indent="0">
+              <a:defRPr sz="1300"/>
+            </a:lvl5pPr>
+            <a:lvl6pPr marL="3200400" indent="0">
               <a:buNone/>
-              <a:defRPr sz="900"/>
-            </a:lvl4pPr>
-            <a:lvl5pPr marL="1828800" indent="0">
+              <a:defRPr sz="1300"/>
+            </a:lvl6pPr>
+            <a:lvl7pPr marL="3840480" indent="0">
               <a:buNone/>
-              <a:defRPr sz="900"/>
-            </a:lvl5pPr>
-            <a:lvl6pPr marL="2286000" indent="0">
+              <a:defRPr sz="1300"/>
+            </a:lvl7pPr>
+            <a:lvl8pPr marL="4480560" indent="0">
               <a:buNone/>
-              <a:defRPr sz="900"/>
-            </a:lvl6pPr>
-            <a:lvl7pPr marL="2743200" indent="0">
+              <a:defRPr sz="1300"/>
+            </a:lvl8pPr>
+            <a:lvl9pPr marL="5120640" indent="0">
               <a:buNone/>
-              <a:defRPr sz="900"/>
-            </a:lvl7pPr>
-            <a:lvl8pPr marL="3200400" indent="0">
-              <a:buNone/>
-              <a:defRPr sz="900"/>
-            </a:lvl8pPr>
-            <a:lvl9pPr marL="3657600" indent="0">
-              <a:buNone/>
-              <a:defRPr sz="900"/>
+              <a:defRPr sz="1300"/>
             </a:lvl9pPr>
           </a:lstStyle>
           <a:p>
@@ -2602,15 +2602,15 @@
         </p:nvSpPr>
         <p:spPr>
           <a:xfrm>
-            <a:off x="457200" y="274638"/>
-            <a:ext cx="8229600" cy="1143000"/>
+            <a:off x="640080" y="504648"/>
+            <a:ext cx="11521440" cy="2100263"/>
           </a:xfrm>
           <a:prstGeom prst="rect">
             <a:avLst/>
           </a:prstGeom>
         </p:spPr>
         <p:txBody>
-          <a:bodyPr vert="horz" lIns="91440" tIns="45720" rIns="91440" bIns="45720" rtlCol="0" anchor="ctr">
+          <a:bodyPr vert="horz" lIns="128016" tIns="64008" rIns="128016" bIns="64008" rtlCol="0" anchor="ctr">
             <a:normAutofit/>
           </a:bodyPr>
           <a:lstStyle/>
@@ -2635,15 +2635,15 @@
         </p:nvSpPr>
         <p:spPr>
           <a:xfrm>
-            <a:off x="457200" y="1600200"/>
-            <a:ext cx="8229600" cy="4525963"/>
+            <a:off x="640080" y="2940370"/>
+            <a:ext cx="11521440" cy="8316457"/>
           </a:xfrm>
           <a:prstGeom prst="rect">
             <a:avLst/>
           </a:prstGeom>
         </p:spPr>
         <p:txBody>
-          <a:bodyPr vert="horz" lIns="91440" tIns="45720" rIns="91440" bIns="45720" rtlCol="0">
+          <a:bodyPr vert="horz" lIns="128016" tIns="64008" rIns="128016" bIns="64008" rtlCol="0">
             <a:normAutofit/>
           </a:bodyPr>
           <a:lstStyle/>
@@ -2697,18 +2697,18 @@
         </p:nvSpPr>
         <p:spPr>
           <a:xfrm>
-            <a:off x="457200" y="6356350"/>
-            <a:ext cx="2133600" cy="365125"/>
+            <a:off x="640080" y="11679798"/>
+            <a:ext cx="2987040" cy="670917"/>
           </a:xfrm>
           <a:prstGeom prst="rect">
             <a:avLst/>
           </a:prstGeom>
         </p:spPr>
         <p:txBody>
-          <a:bodyPr vert="horz" lIns="91440" tIns="45720" rIns="91440" bIns="45720" rtlCol="0" anchor="ctr"/>
+          <a:bodyPr vert="horz" lIns="128016" tIns="64008" rIns="128016" bIns="64008" rtlCol="0" anchor="ctr"/>
           <a:lstStyle>
             <a:lvl1pPr algn="l">
-              <a:defRPr sz="1200">
+              <a:defRPr sz="1700">
                 <a:solidFill>
                   <a:schemeClr val="tx1">
                     <a:tint val="75000"/>
@@ -2738,18 +2738,18 @@
         </p:nvSpPr>
         <p:spPr>
           <a:xfrm>
-            <a:off x="3124200" y="6356350"/>
-            <a:ext cx="2895600" cy="365125"/>
+            <a:off x="4373880" y="11679798"/>
+            <a:ext cx="4053840" cy="670917"/>
           </a:xfrm>
           <a:prstGeom prst="rect">
             <a:avLst/>
           </a:prstGeom>
         </p:spPr>
         <p:txBody>
-          <a:bodyPr vert="horz" lIns="91440" tIns="45720" rIns="91440" bIns="45720" rtlCol="0" anchor="ctr"/>
+          <a:bodyPr vert="horz" lIns="128016" tIns="64008" rIns="128016" bIns="64008" rtlCol="0" anchor="ctr"/>
           <a:lstStyle>
             <a:lvl1pPr algn="ctr">
-              <a:defRPr sz="1200">
+              <a:defRPr sz="1700">
                 <a:solidFill>
                   <a:schemeClr val="tx1">
                     <a:tint val="75000"/>
@@ -2775,18 +2775,18 @@
         </p:nvSpPr>
         <p:spPr>
           <a:xfrm>
-            <a:off x="6553200" y="6356350"/>
-            <a:ext cx="2133600" cy="365125"/>
+            <a:off x="9174480" y="11679798"/>
+            <a:ext cx="2987040" cy="670917"/>
           </a:xfrm>
           <a:prstGeom prst="rect">
             <a:avLst/>
           </a:prstGeom>
         </p:spPr>
         <p:txBody>
-          <a:bodyPr vert="horz" lIns="91440" tIns="45720" rIns="91440" bIns="45720" rtlCol="0" anchor="ctr"/>
+          <a:bodyPr vert="horz" lIns="128016" tIns="64008" rIns="128016" bIns="64008" rtlCol="0" anchor="ctr"/>
           <a:lstStyle>
             <a:lvl1pPr algn="r">
-              <a:defRPr sz="1200">
+              <a:defRPr sz="1700">
                 <a:solidFill>
                   <a:schemeClr val="tx1">
                     <a:tint val="75000"/>
@@ -2827,12 +2827,12 @@
   </p:sldLayoutIdLst>
   <p:txStyles>
     <p:titleStyle>
-      <a:lvl1pPr algn="ctr" defTabSz="914400" rtl="0" eaLnBrk="1" latinLnBrk="0" hangingPunct="1">
+      <a:lvl1pPr algn="ctr" defTabSz="1280160" rtl="0" eaLnBrk="1" latinLnBrk="0" hangingPunct="1">
         <a:spcBef>
           <a:spcPct val="0"/>
         </a:spcBef>
         <a:buNone/>
-        <a:defRPr sz="4400" kern="1200">
+        <a:defRPr sz="6200" kern="1200">
           <a:solidFill>
             <a:schemeClr val="tx1"/>
           </a:solidFill>
@@ -2843,13 +2843,13 @@
       </a:lvl1pPr>
     </p:titleStyle>
     <p:bodyStyle>
-      <a:lvl1pPr marL="342900" indent="-342900" algn="l" defTabSz="914400" rtl="0" eaLnBrk="1" latinLnBrk="0" hangingPunct="1">
+      <a:lvl1pPr marL="480060" indent="-480060" algn="l" defTabSz="1280160" rtl="0" eaLnBrk="1" latinLnBrk="0" hangingPunct="1">
         <a:spcBef>
           <a:spcPct val="20000"/>
         </a:spcBef>
         <a:buFont typeface="Arial" panose="020B0604020202020204" pitchFamily="34" charset="0"/>
         <a:buChar char="•"/>
-        <a:defRPr sz="3200" kern="1200">
+        <a:defRPr sz="4500" kern="1200">
           <a:solidFill>
             <a:schemeClr val="tx1"/>
           </a:solidFill>
@@ -2858,7 +2858,37 @@
           <a:cs typeface="+mn-cs"/>
         </a:defRPr>
       </a:lvl1pPr>
-      <a:lvl2pPr marL="742950" indent="-285750" algn="l" defTabSz="914400" rtl="0" eaLnBrk="1" latinLnBrk="0" hangingPunct="1">
+      <a:lvl2pPr marL="1040130" indent="-400050" algn="l" defTabSz="1280160" rtl="0" eaLnBrk="1" latinLnBrk="0" hangingPunct="1">
+        <a:spcBef>
+          <a:spcPct val="20000"/>
+        </a:spcBef>
+        <a:buFont typeface="Arial" panose="020B0604020202020204" pitchFamily="34" charset="0"/>
+        <a:buChar char="–"/>
+        <a:defRPr sz="3900" kern="1200">
+          <a:solidFill>
+            <a:schemeClr val="tx1"/>
+          </a:solidFill>
+          <a:latin typeface="+mn-lt"/>
+          <a:ea typeface="+mn-ea"/>
+          <a:cs typeface="+mn-cs"/>
+        </a:defRPr>
+      </a:lvl2pPr>
+      <a:lvl3pPr marL="1600200" indent="-320040" algn="l" defTabSz="1280160" rtl="0" eaLnBrk="1" latinLnBrk="0" hangingPunct="1">
+        <a:spcBef>
+          <a:spcPct val="20000"/>
+        </a:spcBef>
+        <a:buFont typeface="Arial" panose="020B0604020202020204" pitchFamily="34" charset="0"/>
+        <a:buChar char="•"/>
+        <a:defRPr sz="3400" kern="1200">
+          <a:solidFill>
+            <a:schemeClr val="tx1"/>
+          </a:solidFill>
+          <a:latin typeface="+mn-lt"/>
+          <a:ea typeface="+mn-ea"/>
+          <a:cs typeface="+mn-cs"/>
+        </a:defRPr>
+      </a:lvl3pPr>
+      <a:lvl4pPr marL="2240280" indent="-320040" algn="l" defTabSz="1280160" rtl="0" eaLnBrk="1" latinLnBrk="0" hangingPunct="1">
         <a:spcBef>
           <a:spcPct val="20000"/>
         </a:spcBef>
@@ -2872,44 +2902,14 @@
           <a:ea typeface="+mn-ea"/>
           <a:cs typeface="+mn-cs"/>
         </a:defRPr>
-      </a:lvl2pPr>
-      <a:lvl3pPr marL="1143000" indent="-228600" algn="l" defTabSz="914400" rtl="0" eaLnBrk="1" latinLnBrk="0" hangingPunct="1">
-        <a:spcBef>
-          <a:spcPct val="20000"/>
-        </a:spcBef>
-        <a:buFont typeface="Arial" panose="020B0604020202020204" pitchFamily="34" charset="0"/>
-        <a:buChar char="•"/>
-        <a:defRPr sz="2400" kern="1200">
-          <a:solidFill>
-            <a:schemeClr val="tx1"/>
-          </a:solidFill>
-          <a:latin typeface="+mn-lt"/>
-          <a:ea typeface="+mn-ea"/>
-          <a:cs typeface="+mn-cs"/>
-        </a:defRPr>
-      </a:lvl3pPr>
-      <a:lvl4pPr marL="1600200" indent="-228600" algn="l" defTabSz="914400" rtl="0" eaLnBrk="1" latinLnBrk="0" hangingPunct="1">
-        <a:spcBef>
-          <a:spcPct val="20000"/>
-        </a:spcBef>
-        <a:buFont typeface="Arial" panose="020B0604020202020204" pitchFamily="34" charset="0"/>
-        <a:buChar char="–"/>
-        <a:defRPr sz="2000" kern="1200">
-          <a:solidFill>
-            <a:schemeClr val="tx1"/>
-          </a:solidFill>
-          <a:latin typeface="+mn-lt"/>
-          <a:ea typeface="+mn-ea"/>
-          <a:cs typeface="+mn-cs"/>
-        </a:defRPr>
       </a:lvl4pPr>
-      <a:lvl5pPr marL="2057400" indent="-228600" algn="l" defTabSz="914400" rtl="0" eaLnBrk="1" latinLnBrk="0" hangingPunct="1">
+      <a:lvl5pPr marL="2880360" indent="-320040" algn="l" defTabSz="1280160" rtl="0" eaLnBrk="1" latinLnBrk="0" hangingPunct="1">
         <a:spcBef>
           <a:spcPct val="20000"/>
         </a:spcBef>
         <a:buFont typeface="Arial" panose="020B0604020202020204" pitchFamily="34" charset="0"/>
         <a:buChar char="»"/>
-        <a:defRPr sz="2000" kern="1200">
+        <a:defRPr sz="2800" kern="1200">
           <a:solidFill>
             <a:schemeClr val="tx1"/>
           </a:solidFill>
@@ -2918,13 +2918,13 @@
           <a:cs typeface="+mn-cs"/>
         </a:defRPr>
       </a:lvl5pPr>
-      <a:lvl6pPr marL="2514600" indent="-228600" algn="l" defTabSz="914400" rtl="0" eaLnBrk="1" latinLnBrk="0" hangingPunct="1">
+      <a:lvl6pPr marL="3520440" indent="-320040" algn="l" defTabSz="1280160" rtl="0" eaLnBrk="1" latinLnBrk="0" hangingPunct="1">
         <a:spcBef>
           <a:spcPct val="20000"/>
         </a:spcBef>
         <a:buFont typeface="Arial" panose="020B0604020202020204" pitchFamily="34" charset="0"/>
         <a:buChar char="•"/>
-        <a:defRPr sz="2000" kern="1200">
+        <a:defRPr sz="2800" kern="1200">
           <a:solidFill>
             <a:schemeClr val="tx1"/>
           </a:solidFill>
@@ -2933,13 +2933,13 @@
           <a:cs typeface="+mn-cs"/>
         </a:defRPr>
       </a:lvl6pPr>
-      <a:lvl7pPr marL="2971800" indent="-228600" algn="l" defTabSz="914400" rtl="0" eaLnBrk="1" latinLnBrk="0" hangingPunct="1">
+      <a:lvl7pPr marL="4160520" indent="-320040" algn="l" defTabSz="1280160" rtl="0" eaLnBrk="1" latinLnBrk="0" hangingPunct="1">
         <a:spcBef>
           <a:spcPct val="20000"/>
         </a:spcBef>
         <a:buFont typeface="Arial" panose="020B0604020202020204" pitchFamily="34" charset="0"/>
         <a:buChar char="•"/>
-        <a:defRPr sz="2000" kern="1200">
+        <a:defRPr sz="2800" kern="1200">
           <a:solidFill>
             <a:schemeClr val="tx1"/>
           </a:solidFill>
@@ -2948,13 +2948,13 @@
           <a:cs typeface="+mn-cs"/>
         </a:defRPr>
       </a:lvl7pPr>
-      <a:lvl8pPr marL="3429000" indent="-228600" algn="l" defTabSz="914400" rtl="0" eaLnBrk="1" latinLnBrk="0" hangingPunct="1">
+      <a:lvl8pPr marL="4800600" indent="-320040" algn="l" defTabSz="1280160" rtl="0" eaLnBrk="1" latinLnBrk="0" hangingPunct="1">
         <a:spcBef>
           <a:spcPct val="20000"/>
         </a:spcBef>
         <a:buFont typeface="Arial" panose="020B0604020202020204" pitchFamily="34" charset="0"/>
         <a:buChar char="•"/>
-        <a:defRPr sz="2000" kern="1200">
+        <a:defRPr sz="2800" kern="1200">
           <a:solidFill>
             <a:schemeClr val="tx1"/>
           </a:solidFill>
@@ -2963,13 +2963,13 @@
           <a:cs typeface="+mn-cs"/>
         </a:defRPr>
       </a:lvl8pPr>
-      <a:lvl9pPr marL="3886200" indent="-228600" algn="l" defTabSz="914400" rtl="0" eaLnBrk="1" latinLnBrk="0" hangingPunct="1">
+      <a:lvl9pPr marL="5440680" indent="-320040" algn="l" defTabSz="1280160" rtl="0" eaLnBrk="1" latinLnBrk="0" hangingPunct="1">
         <a:spcBef>
           <a:spcPct val="20000"/>
         </a:spcBef>
         <a:buFont typeface="Arial" panose="020B0604020202020204" pitchFamily="34" charset="0"/>
         <a:buChar char="•"/>
-        <a:defRPr sz="2000" kern="1200">
+        <a:defRPr sz="2800" kern="1200">
           <a:solidFill>
             <a:schemeClr val="tx1"/>
           </a:solidFill>
@@ -2983,8 +2983,8 @@
       <a:defPPr>
         <a:defRPr lang="en-US"/>
       </a:defPPr>
-      <a:lvl1pPr marL="0" algn="l" defTabSz="914400" rtl="0" eaLnBrk="1" latinLnBrk="0" hangingPunct="1">
-        <a:defRPr sz="1800" kern="1200">
+      <a:lvl1pPr marL="0" algn="l" defTabSz="1280160" rtl="0" eaLnBrk="1" latinLnBrk="0" hangingPunct="1">
+        <a:defRPr sz="2500" kern="1200">
           <a:solidFill>
             <a:schemeClr val="tx1"/>
           </a:solidFill>
@@ -2993,8 +2993,8 @@
           <a:cs typeface="+mn-cs"/>
         </a:defRPr>
       </a:lvl1pPr>
-      <a:lvl2pPr marL="457200" algn="l" defTabSz="914400" rtl="0" eaLnBrk="1" latinLnBrk="0" hangingPunct="1">
-        <a:defRPr sz="1800" kern="1200">
+      <a:lvl2pPr marL="640080" algn="l" defTabSz="1280160" rtl="0" eaLnBrk="1" latinLnBrk="0" hangingPunct="1">
+        <a:defRPr sz="2500" kern="1200">
           <a:solidFill>
             <a:schemeClr val="tx1"/>
           </a:solidFill>
@@ -3003,8 +3003,8 @@
           <a:cs typeface="+mn-cs"/>
         </a:defRPr>
       </a:lvl2pPr>
-      <a:lvl3pPr marL="914400" algn="l" defTabSz="914400" rtl="0" eaLnBrk="1" latinLnBrk="0" hangingPunct="1">
-        <a:defRPr sz="1800" kern="1200">
+      <a:lvl3pPr marL="1280160" algn="l" defTabSz="1280160" rtl="0" eaLnBrk="1" latinLnBrk="0" hangingPunct="1">
+        <a:defRPr sz="2500" kern="1200">
           <a:solidFill>
             <a:schemeClr val="tx1"/>
           </a:solidFill>
@@ -3013,8 +3013,8 @@
           <a:cs typeface="+mn-cs"/>
         </a:defRPr>
       </a:lvl3pPr>
-      <a:lvl4pPr marL="1371600" algn="l" defTabSz="914400" rtl="0" eaLnBrk="1" latinLnBrk="0" hangingPunct="1">
-        <a:defRPr sz="1800" kern="1200">
+      <a:lvl4pPr marL="1920240" algn="l" defTabSz="1280160" rtl="0" eaLnBrk="1" latinLnBrk="0" hangingPunct="1">
+        <a:defRPr sz="2500" kern="1200">
           <a:solidFill>
             <a:schemeClr val="tx1"/>
           </a:solidFill>
@@ -3023,8 +3023,8 @@
           <a:cs typeface="+mn-cs"/>
         </a:defRPr>
       </a:lvl4pPr>
-      <a:lvl5pPr marL="1828800" algn="l" defTabSz="914400" rtl="0" eaLnBrk="1" latinLnBrk="0" hangingPunct="1">
-        <a:defRPr sz="1800" kern="1200">
+      <a:lvl5pPr marL="2560320" algn="l" defTabSz="1280160" rtl="0" eaLnBrk="1" latinLnBrk="0" hangingPunct="1">
+        <a:defRPr sz="2500" kern="1200">
           <a:solidFill>
             <a:schemeClr val="tx1"/>
           </a:solidFill>
@@ -3033,8 +3033,8 @@
           <a:cs typeface="+mn-cs"/>
         </a:defRPr>
       </a:lvl5pPr>
-      <a:lvl6pPr marL="2286000" algn="l" defTabSz="914400" rtl="0" eaLnBrk="1" latinLnBrk="0" hangingPunct="1">
-        <a:defRPr sz="1800" kern="1200">
+      <a:lvl6pPr marL="3200400" algn="l" defTabSz="1280160" rtl="0" eaLnBrk="1" latinLnBrk="0" hangingPunct="1">
+        <a:defRPr sz="2500" kern="1200">
           <a:solidFill>
             <a:schemeClr val="tx1"/>
           </a:solidFill>
@@ -3043,8 +3043,8 @@
           <a:cs typeface="+mn-cs"/>
         </a:defRPr>
       </a:lvl6pPr>
-      <a:lvl7pPr marL="2743200" algn="l" defTabSz="914400" rtl="0" eaLnBrk="1" latinLnBrk="0" hangingPunct="1">
-        <a:defRPr sz="1800" kern="1200">
+      <a:lvl7pPr marL="3840480" algn="l" defTabSz="1280160" rtl="0" eaLnBrk="1" latinLnBrk="0" hangingPunct="1">
+        <a:defRPr sz="2500" kern="1200">
           <a:solidFill>
             <a:schemeClr val="tx1"/>
           </a:solidFill>
@@ -3053,8 +3053,8 @@
           <a:cs typeface="+mn-cs"/>
         </a:defRPr>
       </a:lvl7pPr>
-      <a:lvl8pPr marL="3200400" algn="l" defTabSz="914400" rtl="0" eaLnBrk="1" latinLnBrk="0" hangingPunct="1">
-        <a:defRPr sz="1800" kern="1200">
+      <a:lvl8pPr marL="4480560" algn="l" defTabSz="1280160" rtl="0" eaLnBrk="1" latinLnBrk="0" hangingPunct="1">
+        <a:defRPr sz="2500" kern="1200">
           <a:solidFill>
             <a:schemeClr val="tx1"/>
           </a:solidFill>
@@ -3063,8 +3063,8 @@
           <a:cs typeface="+mn-cs"/>
         </a:defRPr>
       </a:lvl8pPr>
-      <a:lvl9pPr marL="3657600" algn="l" defTabSz="914400" rtl="0" eaLnBrk="1" latinLnBrk="0" hangingPunct="1">
-        <a:defRPr sz="1800" kern="1200">
+      <a:lvl9pPr marL="5120640" algn="l" defTabSz="1280160" rtl="0" eaLnBrk="1" latinLnBrk="0" hangingPunct="1">
+        <a:defRPr sz="2500" kern="1200">
           <a:solidFill>
             <a:schemeClr val="tx1"/>
           </a:solidFill>
@@ -3097,14 +3097,14 @@
       </p:grpSpPr>
       <p:sp>
         <p:nvSpPr>
-          <p:cNvPr id="4" name="Rectangle 3"/>
+          <p:cNvPr id="94" name="Rectangle 93"/>
           <p:cNvSpPr/>
           <p:nvPr/>
         </p:nvSpPr>
         <p:spPr>
           <a:xfrm>
-            <a:off x="2467426" y="1557064"/>
-            <a:ext cx="3456384" cy="360040"/>
+            <a:off x="6163422" y="1198152"/>
+            <a:ext cx="4838938" cy="504056"/>
           </a:xfrm>
           <a:prstGeom prst="rect">
             <a:avLst/>
@@ -3127,7 +3127,7 @@
           </a:fontRef>
         </p:style>
         <p:txBody>
-          <a:bodyPr rtlCol="0" anchor="ctr"/>
+          <a:bodyPr lIns="128016" tIns="64008" rIns="128016" bIns="64008" rtlCol="0" anchor="ctr"/>
           <a:lstStyle/>
           <a:p>
             <a:pPr algn="ctr"/>
@@ -3137,727 +3137,727 @@
       </p:sp>
       <p:cxnSp>
         <p:nvCxnSpPr>
-          <p:cNvPr id="6" name="Straight Connector 5"/>
-          <p:cNvCxnSpPr/>
-          <p:nvPr/>
-        </p:nvCxnSpPr>
-        <p:spPr>
-          <a:xfrm>
-            <a:off x="2755458" y="1917104"/>
-            <a:ext cx="0" cy="648072"/>
-          </a:xfrm>
-          <a:prstGeom prst="line">
-            <a:avLst/>
-          </a:prstGeom>
-          <a:ln w="28575"/>
-        </p:spPr>
-        <p:style>
-          <a:lnRef idx="1">
-            <a:schemeClr val="accent1"/>
-          </a:lnRef>
-          <a:fillRef idx="0">
-            <a:schemeClr val="accent1"/>
-          </a:fillRef>
-          <a:effectRef idx="0">
-            <a:schemeClr val="accent1"/>
-          </a:effectRef>
-          <a:fontRef idx="minor">
-            <a:schemeClr val="tx1"/>
-          </a:fontRef>
-        </p:style>
-      </p:cxnSp>
-      <p:cxnSp>
-        <p:nvCxnSpPr>
-          <p:cNvPr id="7" name="Straight Connector 6"/>
-          <p:cNvCxnSpPr/>
-          <p:nvPr/>
-        </p:nvCxnSpPr>
-        <p:spPr>
-          <a:xfrm>
-            <a:off x="2907858" y="1917104"/>
-            <a:ext cx="0" cy="648072"/>
-          </a:xfrm>
-          <a:prstGeom prst="line">
-            <a:avLst/>
-          </a:prstGeom>
-          <a:ln w="28575"/>
-        </p:spPr>
-        <p:style>
-          <a:lnRef idx="1">
-            <a:schemeClr val="accent1"/>
-          </a:lnRef>
-          <a:fillRef idx="0">
-            <a:schemeClr val="accent1"/>
-          </a:fillRef>
-          <a:effectRef idx="0">
-            <a:schemeClr val="accent1"/>
-          </a:effectRef>
-          <a:fontRef idx="minor">
-            <a:schemeClr val="tx1"/>
-          </a:fontRef>
-        </p:style>
-      </p:cxnSp>
-      <p:cxnSp>
-        <p:nvCxnSpPr>
-          <p:cNvPr id="8" name="Straight Connector 7"/>
-          <p:cNvCxnSpPr/>
-          <p:nvPr/>
-        </p:nvCxnSpPr>
-        <p:spPr>
-          <a:xfrm>
-            <a:off x="3043490" y="1917104"/>
-            <a:ext cx="0" cy="648072"/>
-          </a:xfrm>
-          <a:prstGeom prst="line">
-            <a:avLst/>
-          </a:prstGeom>
-          <a:ln w="28575"/>
-        </p:spPr>
-        <p:style>
-          <a:lnRef idx="1">
-            <a:schemeClr val="accent1"/>
-          </a:lnRef>
-          <a:fillRef idx="0">
-            <a:schemeClr val="accent1"/>
-          </a:fillRef>
-          <a:effectRef idx="0">
-            <a:schemeClr val="accent1"/>
-          </a:effectRef>
-          <a:fontRef idx="minor">
-            <a:schemeClr val="tx1"/>
-          </a:fontRef>
-        </p:style>
-      </p:cxnSp>
-      <p:cxnSp>
-        <p:nvCxnSpPr>
-          <p:cNvPr id="9" name="Straight Connector 8"/>
-          <p:cNvCxnSpPr/>
-          <p:nvPr/>
-        </p:nvCxnSpPr>
-        <p:spPr>
-          <a:xfrm>
-            <a:off x="3187506" y="1917104"/>
-            <a:ext cx="0" cy="648072"/>
-          </a:xfrm>
-          <a:prstGeom prst="line">
-            <a:avLst/>
-          </a:prstGeom>
-          <a:ln w="28575"/>
-        </p:spPr>
-        <p:style>
-          <a:lnRef idx="1">
-            <a:schemeClr val="accent1"/>
-          </a:lnRef>
-          <a:fillRef idx="0">
-            <a:schemeClr val="accent1"/>
-          </a:fillRef>
-          <a:effectRef idx="0">
-            <a:schemeClr val="accent1"/>
-          </a:effectRef>
-          <a:fontRef idx="minor">
-            <a:schemeClr val="tx1"/>
-          </a:fontRef>
-        </p:style>
-      </p:cxnSp>
-      <p:cxnSp>
-        <p:nvCxnSpPr>
-          <p:cNvPr id="10" name="Straight Connector 9"/>
-          <p:cNvCxnSpPr/>
-          <p:nvPr/>
-        </p:nvCxnSpPr>
-        <p:spPr>
-          <a:xfrm>
-            <a:off x="2611442" y="1917104"/>
-            <a:ext cx="0" cy="648072"/>
-          </a:xfrm>
-          <a:prstGeom prst="line">
-            <a:avLst/>
-          </a:prstGeom>
-          <a:ln w="28575"/>
-        </p:spPr>
-        <p:style>
-          <a:lnRef idx="1">
-            <a:schemeClr val="accent1"/>
-          </a:lnRef>
-          <a:fillRef idx="0">
-            <a:schemeClr val="accent1"/>
-          </a:fillRef>
-          <a:effectRef idx="0">
-            <a:schemeClr val="accent1"/>
-          </a:effectRef>
-          <a:fontRef idx="minor">
-            <a:schemeClr val="tx1"/>
-          </a:fontRef>
-        </p:style>
-      </p:cxnSp>
-      <p:cxnSp>
-        <p:nvCxnSpPr>
-          <p:cNvPr id="11" name="Straight Connector 10"/>
-          <p:cNvCxnSpPr/>
-          <p:nvPr/>
-        </p:nvCxnSpPr>
-        <p:spPr>
-          <a:xfrm>
-            <a:off x="3331522" y="1917104"/>
-            <a:ext cx="0" cy="648072"/>
-          </a:xfrm>
-          <a:prstGeom prst="line">
-            <a:avLst/>
-          </a:prstGeom>
-          <a:ln w="28575"/>
-        </p:spPr>
-        <p:style>
-          <a:lnRef idx="1">
-            <a:schemeClr val="accent1"/>
-          </a:lnRef>
-          <a:fillRef idx="0">
-            <a:schemeClr val="accent1"/>
-          </a:fillRef>
-          <a:effectRef idx="0">
-            <a:schemeClr val="accent1"/>
-          </a:effectRef>
-          <a:fontRef idx="minor">
-            <a:schemeClr val="tx1"/>
-          </a:fontRef>
-        </p:style>
-      </p:cxnSp>
-      <p:cxnSp>
-        <p:nvCxnSpPr>
-          <p:cNvPr id="12" name="Straight Connector 11"/>
-          <p:cNvCxnSpPr/>
-          <p:nvPr/>
-        </p:nvCxnSpPr>
-        <p:spPr>
-          <a:xfrm>
-            <a:off x="3475538" y="1917104"/>
-            <a:ext cx="0" cy="648072"/>
-          </a:xfrm>
-          <a:prstGeom prst="line">
-            <a:avLst/>
-          </a:prstGeom>
-          <a:ln w="28575"/>
-        </p:spPr>
-        <p:style>
-          <a:lnRef idx="1">
-            <a:schemeClr val="accent1"/>
-          </a:lnRef>
-          <a:fillRef idx="0">
-            <a:schemeClr val="accent1"/>
-          </a:fillRef>
-          <a:effectRef idx="0">
-            <a:schemeClr val="accent1"/>
-          </a:effectRef>
-          <a:fontRef idx="minor">
-            <a:schemeClr val="tx1"/>
-          </a:fontRef>
-        </p:style>
-      </p:cxnSp>
-      <p:cxnSp>
-        <p:nvCxnSpPr>
-          <p:cNvPr id="14" name="Straight Connector 13"/>
-          <p:cNvCxnSpPr/>
-          <p:nvPr/>
-        </p:nvCxnSpPr>
-        <p:spPr>
-          <a:xfrm>
-            <a:off x="3763570" y="1917104"/>
-            <a:ext cx="0" cy="648072"/>
-          </a:xfrm>
-          <a:prstGeom prst="line">
-            <a:avLst/>
-          </a:prstGeom>
-          <a:ln w="28575"/>
-        </p:spPr>
-        <p:style>
-          <a:lnRef idx="1">
-            <a:schemeClr val="accent1"/>
-          </a:lnRef>
-          <a:fillRef idx="0">
-            <a:schemeClr val="accent1"/>
-          </a:fillRef>
-          <a:effectRef idx="0">
-            <a:schemeClr val="accent1"/>
-          </a:effectRef>
-          <a:fontRef idx="minor">
-            <a:schemeClr val="tx1"/>
-          </a:fontRef>
-        </p:style>
-      </p:cxnSp>
-      <p:cxnSp>
-        <p:nvCxnSpPr>
-          <p:cNvPr id="15" name="Straight Connector 14"/>
-          <p:cNvCxnSpPr/>
-          <p:nvPr/>
-        </p:nvCxnSpPr>
-        <p:spPr>
-          <a:xfrm>
-            <a:off x="3915970" y="1917104"/>
-            <a:ext cx="0" cy="648072"/>
-          </a:xfrm>
-          <a:prstGeom prst="line">
-            <a:avLst/>
-          </a:prstGeom>
-          <a:ln w="28575"/>
-        </p:spPr>
-        <p:style>
-          <a:lnRef idx="1">
-            <a:schemeClr val="accent1"/>
-          </a:lnRef>
-          <a:fillRef idx="0">
-            <a:schemeClr val="accent1"/>
-          </a:fillRef>
-          <a:effectRef idx="0">
-            <a:schemeClr val="accent1"/>
-          </a:effectRef>
-          <a:fontRef idx="minor">
-            <a:schemeClr val="tx1"/>
-          </a:fontRef>
-        </p:style>
-      </p:cxnSp>
-      <p:cxnSp>
-        <p:nvCxnSpPr>
-          <p:cNvPr id="16" name="Straight Connector 15"/>
-          <p:cNvCxnSpPr/>
-          <p:nvPr/>
-        </p:nvCxnSpPr>
-        <p:spPr>
-          <a:xfrm>
-            <a:off x="4051602" y="1917104"/>
-            <a:ext cx="0" cy="648072"/>
-          </a:xfrm>
-          <a:prstGeom prst="line">
-            <a:avLst/>
-          </a:prstGeom>
-          <a:ln w="28575"/>
-        </p:spPr>
-        <p:style>
-          <a:lnRef idx="1">
-            <a:schemeClr val="accent1"/>
-          </a:lnRef>
-          <a:fillRef idx="0">
-            <a:schemeClr val="accent1"/>
-          </a:fillRef>
-          <a:effectRef idx="0">
-            <a:schemeClr val="accent1"/>
-          </a:effectRef>
-          <a:fontRef idx="minor">
-            <a:schemeClr val="tx1"/>
-          </a:fontRef>
-        </p:style>
-      </p:cxnSp>
-      <p:cxnSp>
-        <p:nvCxnSpPr>
-          <p:cNvPr id="17" name="Straight Connector 16"/>
-          <p:cNvCxnSpPr/>
-          <p:nvPr/>
-        </p:nvCxnSpPr>
-        <p:spPr>
-          <a:xfrm>
-            <a:off x="4195618" y="1917104"/>
-            <a:ext cx="0" cy="648072"/>
-          </a:xfrm>
-          <a:prstGeom prst="line">
-            <a:avLst/>
-          </a:prstGeom>
-          <a:ln w="28575"/>
-        </p:spPr>
-        <p:style>
-          <a:lnRef idx="1">
-            <a:schemeClr val="accent1"/>
-          </a:lnRef>
-          <a:fillRef idx="0">
-            <a:schemeClr val="accent1"/>
-          </a:fillRef>
-          <a:effectRef idx="0">
-            <a:schemeClr val="accent1"/>
-          </a:effectRef>
-          <a:fontRef idx="minor">
-            <a:schemeClr val="tx1"/>
-          </a:fontRef>
-        </p:style>
-      </p:cxnSp>
-      <p:cxnSp>
-        <p:nvCxnSpPr>
-          <p:cNvPr id="18" name="Straight Connector 17"/>
-          <p:cNvCxnSpPr/>
-          <p:nvPr/>
-        </p:nvCxnSpPr>
-        <p:spPr>
-          <a:xfrm>
-            <a:off x="3619554" y="1917104"/>
-            <a:ext cx="0" cy="648072"/>
-          </a:xfrm>
-          <a:prstGeom prst="line">
-            <a:avLst/>
-          </a:prstGeom>
-          <a:ln w="28575"/>
-        </p:spPr>
-        <p:style>
-          <a:lnRef idx="1">
-            <a:schemeClr val="accent1"/>
-          </a:lnRef>
-          <a:fillRef idx="0">
-            <a:schemeClr val="accent1"/>
-          </a:fillRef>
-          <a:effectRef idx="0">
-            <a:schemeClr val="accent1"/>
-          </a:effectRef>
-          <a:fontRef idx="minor">
-            <a:schemeClr val="tx1"/>
-          </a:fontRef>
-        </p:style>
-      </p:cxnSp>
-      <p:cxnSp>
-        <p:nvCxnSpPr>
-          <p:cNvPr id="19" name="Straight Connector 18"/>
-          <p:cNvCxnSpPr/>
-          <p:nvPr/>
-        </p:nvCxnSpPr>
-        <p:spPr>
-          <a:xfrm>
-            <a:off x="4339634" y="1917104"/>
-            <a:ext cx="0" cy="648072"/>
-          </a:xfrm>
-          <a:prstGeom prst="line">
-            <a:avLst/>
-          </a:prstGeom>
-          <a:ln w="28575"/>
-        </p:spPr>
-        <p:style>
-          <a:lnRef idx="1">
-            <a:schemeClr val="accent1"/>
-          </a:lnRef>
-          <a:fillRef idx="0">
-            <a:schemeClr val="accent1"/>
-          </a:fillRef>
-          <a:effectRef idx="0">
-            <a:schemeClr val="accent1"/>
-          </a:effectRef>
-          <a:fontRef idx="minor">
-            <a:schemeClr val="tx1"/>
-          </a:fontRef>
-        </p:style>
-      </p:cxnSp>
-      <p:cxnSp>
-        <p:nvCxnSpPr>
-          <p:cNvPr id="20" name="Straight Connector 19"/>
-          <p:cNvCxnSpPr/>
-          <p:nvPr/>
-        </p:nvCxnSpPr>
-        <p:spPr>
-          <a:xfrm>
-            <a:off x="4483650" y="1917104"/>
-            <a:ext cx="0" cy="648072"/>
-          </a:xfrm>
-          <a:prstGeom prst="line">
-            <a:avLst/>
-          </a:prstGeom>
-          <a:ln w="28575"/>
-        </p:spPr>
-        <p:style>
-          <a:lnRef idx="1">
-            <a:schemeClr val="accent1"/>
-          </a:lnRef>
-          <a:fillRef idx="0">
-            <a:schemeClr val="accent1"/>
-          </a:fillRef>
-          <a:effectRef idx="0">
-            <a:schemeClr val="accent1"/>
-          </a:effectRef>
-          <a:fontRef idx="minor">
-            <a:schemeClr val="tx1"/>
-          </a:fontRef>
-        </p:style>
-      </p:cxnSp>
-      <p:cxnSp>
-        <p:nvCxnSpPr>
-          <p:cNvPr id="21" name="Straight Connector 20"/>
-          <p:cNvCxnSpPr/>
-          <p:nvPr/>
-        </p:nvCxnSpPr>
-        <p:spPr>
-          <a:xfrm>
-            <a:off x="4771682" y="1917104"/>
-            <a:ext cx="0" cy="648072"/>
-          </a:xfrm>
-          <a:prstGeom prst="line">
-            <a:avLst/>
-          </a:prstGeom>
-          <a:ln w="28575"/>
-        </p:spPr>
-        <p:style>
-          <a:lnRef idx="1">
-            <a:schemeClr val="accent1"/>
-          </a:lnRef>
-          <a:fillRef idx="0">
-            <a:schemeClr val="accent1"/>
-          </a:fillRef>
-          <a:effectRef idx="0">
-            <a:schemeClr val="accent1"/>
-          </a:effectRef>
-          <a:fontRef idx="minor">
-            <a:schemeClr val="tx1"/>
-          </a:fontRef>
-        </p:style>
-      </p:cxnSp>
-      <p:cxnSp>
-        <p:nvCxnSpPr>
-          <p:cNvPr id="22" name="Straight Connector 21"/>
-          <p:cNvCxnSpPr/>
-          <p:nvPr/>
-        </p:nvCxnSpPr>
-        <p:spPr>
-          <a:xfrm>
-            <a:off x="4924082" y="1917104"/>
-            <a:ext cx="0" cy="648072"/>
-          </a:xfrm>
-          <a:prstGeom prst="line">
-            <a:avLst/>
-          </a:prstGeom>
-          <a:ln w="28575"/>
-        </p:spPr>
-        <p:style>
-          <a:lnRef idx="1">
-            <a:schemeClr val="accent1"/>
-          </a:lnRef>
-          <a:fillRef idx="0">
-            <a:schemeClr val="accent1"/>
-          </a:fillRef>
-          <a:effectRef idx="0">
-            <a:schemeClr val="accent1"/>
-          </a:effectRef>
-          <a:fontRef idx="minor">
-            <a:schemeClr val="tx1"/>
-          </a:fontRef>
-        </p:style>
-      </p:cxnSp>
-      <p:cxnSp>
-        <p:nvCxnSpPr>
-          <p:cNvPr id="23" name="Straight Connector 22"/>
-          <p:cNvCxnSpPr/>
-          <p:nvPr/>
-        </p:nvCxnSpPr>
-        <p:spPr>
-          <a:xfrm>
-            <a:off x="5059714" y="1917104"/>
-            <a:ext cx="0" cy="648072"/>
-          </a:xfrm>
-          <a:prstGeom prst="line">
-            <a:avLst/>
-          </a:prstGeom>
-          <a:ln w="28575"/>
-        </p:spPr>
-        <p:style>
-          <a:lnRef idx="1">
-            <a:schemeClr val="accent1"/>
-          </a:lnRef>
-          <a:fillRef idx="0">
-            <a:schemeClr val="accent1"/>
-          </a:fillRef>
-          <a:effectRef idx="0">
-            <a:schemeClr val="accent1"/>
-          </a:effectRef>
-          <a:fontRef idx="minor">
-            <a:schemeClr val="tx1"/>
-          </a:fontRef>
-        </p:style>
-      </p:cxnSp>
-      <p:cxnSp>
-        <p:nvCxnSpPr>
-          <p:cNvPr id="24" name="Straight Connector 23"/>
-          <p:cNvCxnSpPr/>
-          <p:nvPr/>
-        </p:nvCxnSpPr>
-        <p:spPr>
-          <a:xfrm>
-            <a:off x="5203730" y="1917104"/>
-            <a:ext cx="0" cy="648072"/>
-          </a:xfrm>
-          <a:prstGeom prst="line">
-            <a:avLst/>
-          </a:prstGeom>
-          <a:ln w="28575"/>
-        </p:spPr>
-        <p:style>
-          <a:lnRef idx="1">
-            <a:schemeClr val="accent1"/>
-          </a:lnRef>
-          <a:fillRef idx="0">
-            <a:schemeClr val="accent1"/>
-          </a:fillRef>
-          <a:effectRef idx="0">
-            <a:schemeClr val="accent1"/>
-          </a:effectRef>
-          <a:fontRef idx="minor">
-            <a:schemeClr val="tx1"/>
-          </a:fontRef>
-        </p:style>
-      </p:cxnSp>
-      <p:cxnSp>
-        <p:nvCxnSpPr>
-          <p:cNvPr id="25" name="Straight Connector 24"/>
-          <p:cNvCxnSpPr/>
-          <p:nvPr/>
-        </p:nvCxnSpPr>
-        <p:spPr>
-          <a:xfrm>
-            <a:off x="4627666" y="1917104"/>
-            <a:ext cx="0" cy="648072"/>
-          </a:xfrm>
-          <a:prstGeom prst="line">
-            <a:avLst/>
-          </a:prstGeom>
-          <a:ln w="28575"/>
-        </p:spPr>
-        <p:style>
-          <a:lnRef idx="1">
-            <a:schemeClr val="accent1"/>
-          </a:lnRef>
-          <a:fillRef idx="0">
-            <a:schemeClr val="accent1"/>
-          </a:fillRef>
-          <a:effectRef idx="0">
-            <a:schemeClr val="accent1"/>
-          </a:effectRef>
-          <a:fontRef idx="minor">
-            <a:schemeClr val="tx1"/>
-          </a:fontRef>
-        </p:style>
-      </p:cxnSp>
-      <p:cxnSp>
-        <p:nvCxnSpPr>
-          <p:cNvPr id="26" name="Straight Connector 25"/>
-          <p:cNvCxnSpPr/>
-          <p:nvPr/>
-        </p:nvCxnSpPr>
-        <p:spPr>
-          <a:xfrm>
-            <a:off x="5347746" y="1917104"/>
-            <a:ext cx="0" cy="648072"/>
-          </a:xfrm>
-          <a:prstGeom prst="line">
-            <a:avLst/>
-          </a:prstGeom>
-          <a:ln w="28575"/>
-        </p:spPr>
-        <p:style>
-          <a:lnRef idx="1">
-            <a:schemeClr val="accent1"/>
-          </a:lnRef>
-          <a:fillRef idx="0">
-            <a:schemeClr val="accent1"/>
-          </a:fillRef>
-          <a:effectRef idx="0">
-            <a:schemeClr val="accent1"/>
-          </a:effectRef>
-          <a:fontRef idx="minor">
-            <a:schemeClr val="tx1"/>
-          </a:fontRef>
-        </p:style>
-      </p:cxnSp>
-      <p:cxnSp>
-        <p:nvCxnSpPr>
-          <p:cNvPr id="27" name="Straight Connector 26"/>
-          <p:cNvCxnSpPr/>
-          <p:nvPr/>
-        </p:nvCxnSpPr>
-        <p:spPr>
-          <a:xfrm>
-            <a:off x="5491762" y="1917104"/>
-            <a:ext cx="0" cy="648072"/>
-          </a:xfrm>
-          <a:prstGeom prst="line">
-            <a:avLst/>
-          </a:prstGeom>
-          <a:ln w="28575"/>
-        </p:spPr>
-        <p:style>
-          <a:lnRef idx="1">
-            <a:schemeClr val="accent1"/>
-          </a:lnRef>
-          <a:fillRef idx="0">
-            <a:schemeClr val="accent1"/>
-          </a:fillRef>
-          <a:effectRef idx="0">
-            <a:schemeClr val="accent1"/>
-          </a:effectRef>
-          <a:fontRef idx="minor">
-            <a:schemeClr val="tx1"/>
-          </a:fontRef>
-        </p:style>
-      </p:cxnSp>
-      <p:cxnSp>
-        <p:nvCxnSpPr>
-          <p:cNvPr id="28" name="Straight Connector 27"/>
-          <p:cNvCxnSpPr/>
-          <p:nvPr/>
-        </p:nvCxnSpPr>
-        <p:spPr>
-          <a:xfrm>
-            <a:off x="5635778" y="1917104"/>
-            <a:ext cx="0" cy="648072"/>
-          </a:xfrm>
-          <a:prstGeom prst="line">
-            <a:avLst/>
-          </a:prstGeom>
-          <a:ln w="28575"/>
-        </p:spPr>
-        <p:style>
-          <a:lnRef idx="1">
-            <a:schemeClr val="accent1"/>
-          </a:lnRef>
-          <a:fillRef idx="0">
-            <a:schemeClr val="accent1"/>
-          </a:fillRef>
-          <a:effectRef idx="0">
-            <a:schemeClr val="accent1"/>
-          </a:effectRef>
-          <a:fontRef idx="minor">
-            <a:schemeClr val="tx1"/>
-          </a:fontRef>
-        </p:style>
-      </p:cxnSp>
-      <p:cxnSp>
-        <p:nvCxnSpPr>
-          <p:cNvPr id="29" name="Straight Connector 28"/>
-          <p:cNvCxnSpPr/>
-          <p:nvPr/>
-        </p:nvCxnSpPr>
-        <p:spPr>
-          <a:xfrm>
-            <a:off x="5779794" y="1917104"/>
-            <a:ext cx="0" cy="648072"/>
-          </a:xfrm>
-          <a:prstGeom prst="line">
-            <a:avLst/>
-          </a:prstGeom>
-          <a:ln w="28575"/>
-        </p:spPr>
-        <p:style>
-          <a:lnRef idx="1">
-            <a:schemeClr val="accent1"/>
-          </a:lnRef>
-          <a:fillRef idx="0">
-            <a:schemeClr val="accent1"/>
-          </a:fillRef>
-          <a:effectRef idx="0">
-            <a:schemeClr val="accent1"/>
-          </a:effectRef>
-          <a:fontRef idx="minor">
-            <a:schemeClr val="tx1"/>
-          </a:fontRef>
-        </p:style>
-      </p:cxnSp>
-      <p:sp>
-        <p:nvSpPr>
-          <p:cNvPr id="13" name="Rectangle 12"/>
+          <p:cNvPr id="95" name="Straight Connector 94"/>
+          <p:cNvCxnSpPr/>
+          <p:nvPr/>
+        </p:nvCxnSpPr>
+        <p:spPr>
+          <a:xfrm>
+            <a:off x="6566667" y="1702210"/>
+            <a:ext cx="0" cy="907301"/>
+          </a:xfrm>
+          <a:prstGeom prst="line">
+            <a:avLst/>
+          </a:prstGeom>
+          <a:ln w="28575"/>
+        </p:spPr>
+        <p:style>
+          <a:lnRef idx="1">
+            <a:schemeClr val="accent1"/>
+          </a:lnRef>
+          <a:fillRef idx="0">
+            <a:schemeClr val="accent1"/>
+          </a:fillRef>
+          <a:effectRef idx="0">
+            <a:schemeClr val="accent1"/>
+          </a:effectRef>
+          <a:fontRef idx="minor">
+            <a:schemeClr val="tx1"/>
+          </a:fontRef>
+        </p:style>
+      </p:cxnSp>
+      <p:cxnSp>
+        <p:nvCxnSpPr>
+          <p:cNvPr id="96" name="Straight Connector 95"/>
+          <p:cNvCxnSpPr/>
+          <p:nvPr/>
+        </p:nvCxnSpPr>
+        <p:spPr>
+          <a:xfrm>
+            <a:off x="6780027" y="1702210"/>
+            <a:ext cx="0" cy="907301"/>
+          </a:xfrm>
+          <a:prstGeom prst="line">
+            <a:avLst/>
+          </a:prstGeom>
+          <a:ln w="28575"/>
+        </p:spPr>
+        <p:style>
+          <a:lnRef idx="1">
+            <a:schemeClr val="accent1"/>
+          </a:lnRef>
+          <a:fillRef idx="0">
+            <a:schemeClr val="accent1"/>
+          </a:fillRef>
+          <a:effectRef idx="0">
+            <a:schemeClr val="accent1"/>
+          </a:effectRef>
+          <a:fontRef idx="minor">
+            <a:schemeClr val="tx1"/>
+          </a:fontRef>
+        </p:style>
+      </p:cxnSp>
+      <p:cxnSp>
+        <p:nvCxnSpPr>
+          <p:cNvPr id="97" name="Straight Connector 96"/>
+          <p:cNvCxnSpPr/>
+          <p:nvPr/>
+        </p:nvCxnSpPr>
+        <p:spPr>
+          <a:xfrm>
+            <a:off x="6969912" y="1702210"/>
+            <a:ext cx="0" cy="907301"/>
+          </a:xfrm>
+          <a:prstGeom prst="line">
+            <a:avLst/>
+          </a:prstGeom>
+          <a:ln w="28575"/>
+        </p:spPr>
+        <p:style>
+          <a:lnRef idx="1">
+            <a:schemeClr val="accent1"/>
+          </a:lnRef>
+          <a:fillRef idx="0">
+            <a:schemeClr val="accent1"/>
+          </a:fillRef>
+          <a:effectRef idx="0">
+            <a:schemeClr val="accent1"/>
+          </a:effectRef>
+          <a:fontRef idx="minor">
+            <a:schemeClr val="tx1"/>
+          </a:fontRef>
+        </p:style>
+      </p:cxnSp>
+      <p:cxnSp>
+        <p:nvCxnSpPr>
+          <p:cNvPr id="98" name="Straight Connector 97"/>
+          <p:cNvCxnSpPr/>
+          <p:nvPr/>
+        </p:nvCxnSpPr>
+        <p:spPr>
+          <a:xfrm>
+            <a:off x="7171535" y="1702210"/>
+            <a:ext cx="0" cy="907301"/>
+          </a:xfrm>
+          <a:prstGeom prst="line">
+            <a:avLst/>
+          </a:prstGeom>
+          <a:ln w="28575"/>
+        </p:spPr>
+        <p:style>
+          <a:lnRef idx="1">
+            <a:schemeClr val="accent1"/>
+          </a:lnRef>
+          <a:fillRef idx="0">
+            <a:schemeClr val="accent1"/>
+          </a:fillRef>
+          <a:effectRef idx="0">
+            <a:schemeClr val="accent1"/>
+          </a:effectRef>
+          <a:fontRef idx="minor">
+            <a:schemeClr val="tx1"/>
+          </a:fontRef>
+        </p:style>
+      </p:cxnSp>
+      <p:cxnSp>
+        <p:nvCxnSpPr>
+          <p:cNvPr id="99" name="Straight Connector 98"/>
+          <p:cNvCxnSpPr/>
+          <p:nvPr/>
+        </p:nvCxnSpPr>
+        <p:spPr>
+          <a:xfrm>
+            <a:off x="6365045" y="1702210"/>
+            <a:ext cx="0" cy="907301"/>
+          </a:xfrm>
+          <a:prstGeom prst="line">
+            <a:avLst/>
+          </a:prstGeom>
+          <a:ln w="28575"/>
+        </p:spPr>
+        <p:style>
+          <a:lnRef idx="1">
+            <a:schemeClr val="accent1"/>
+          </a:lnRef>
+          <a:fillRef idx="0">
+            <a:schemeClr val="accent1"/>
+          </a:fillRef>
+          <a:effectRef idx="0">
+            <a:schemeClr val="accent1"/>
+          </a:effectRef>
+          <a:fontRef idx="minor">
+            <a:schemeClr val="tx1"/>
+          </a:fontRef>
+        </p:style>
+      </p:cxnSp>
+      <p:cxnSp>
+        <p:nvCxnSpPr>
+          <p:cNvPr id="100" name="Straight Connector 99"/>
+          <p:cNvCxnSpPr/>
+          <p:nvPr/>
+        </p:nvCxnSpPr>
+        <p:spPr>
+          <a:xfrm>
+            <a:off x="7373157" y="1702210"/>
+            <a:ext cx="0" cy="907301"/>
+          </a:xfrm>
+          <a:prstGeom prst="line">
+            <a:avLst/>
+          </a:prstGeom>
+          <a:ln w="28575"/>
+        </p:spPr>
+        <p:style>
+          <a:lnRef idx="1">
+            <a:schemeClr val="accent1"/>
+          </a:lnRef>
+          <a:fillRef idx="0">
+            <a:schemeClr val="accent1"/>
+          </a:fillRef>
+          <a:effectRef idx="0">
+            <a:schemeClr val="accent1"/>
+          </a:effectRef>
+          <a:fontRef idx="minor">
+            <a:schemeClr val="tx1"/>
+          </a:fontRef>
+        </p:style>
+      </p:cxnSp>
+      <p:cxnSp>
+        <p:nvCxnSpPr>
+          <p:cNvPr id="101" name="Straight Connector 100"/>
+          <p:cNvCxnSpPr/>
+          <p:nvPr/>
+        </p:nvCxnSpPr>
+        <p:spPr>
+          <a:xfrm>
+            <a:off x="7574779" y="1702210"/>
+            <a:ext cx="0" cy="907301"/>
+          </a:xfrm>
+          <a:prstGeom prst="line">
+            <a:avLst/>
+          </a:prstGeom>
+          <a:ln w="28575"/>
+        </p:spPr>
+        <p:style>
+          <a:lnRef idx="1">
+            <a:schemeClr val="accent1"/>
+          </a:lnRef>
+          <a:fillRef idx="0">
+            <a:schemeClr val="accent1"/>
+          </a:fillRef>
+          <a:effectRef idx="0">
+            <a:schemeClr val="accent1"/>
+          </a:effectRef>
+          <a:fontRef idx="minor">
+            <a:schemeClr val="tx1"/>
+          </a:fontRef>
+        </p:style>
+      </p:cxnSp>
+      <p:cxnSp>
+        <p:nvCxnSpPr>
+          <p:cNvPr id="102" name="Straight Connector 101"/>
+          <p:cNvCxnSpPr/>
+          <p:nvPr/>
+        </p:nvCxnSpPr>
+        <p:spPr>
+          <a:xfrm>
+            <a:off x="7978024" y="1702210"/>
+            <a:ext cx="0" cy="907301"/>
+          </a:xfrm>
+          <a:prstGeom prst="line">
+            <a:avLst/>
+          </a:prstGeom>
+          <a:ln w="28575"/>
+        </p:spPr>
+        <p:style>
+          <a:lnRef idx="1">
+            <a:schemeClr val="accent1"/>
+          </a:lnRef>
+          <a:fillRef idx="0">
+            <a:schemeClr val="accent1"/>
+          </a:fillRef>
+          <a:effectRef idx="0">
+            <a:schemeClr val="accent1"/>
+          </a:effectRef>
+          <a:fontRef idx="minor">
+            <a:schemeClr val="tx1"/>
+          </a:fontRef>
+        </p:style>
+      </p:cxnSp>
+      <p:cxnSp>
+        <p:nvCxnSpPr>
+          <p:cNvPr id="103" name="Straight Connector 102"/>
+          <p:cNvCxnSpPr/>
+          <p:nvPr/>
+        </p:nvCxnSpPr>
+        <p:spPr>
+          <a:xfrm>
+            <a:off x="8191384" y="1702210"/>
+            <a:ext cx="0" cy="907301"/>
+          </a:xfrm>
+          <a:prstGeom prst="line">
+            <a:avLst/>
+          </a:prstGeom>
+          <a:ln w="28575"/>
+        </p:spPr>
+        <p:style>
+          <a:lnRef idx="1">
+            <a:schemeClr val="accent1"/>
+          </a:lnRef>
+          <a:fillRef idx="0">
+            <a:schemeClr val="accent1"/>
+          </a:fillRef>
+          <a:effectRef idx="0">
+            <a:schemeClr val="accent1"/>
+          </a:effectRef>
+          <a:fontRef idx="minor">
+            <a:schemeClr val="tx1"/>
+          </a:fontRef>
+        </p:style>
+      </p:cxnSp>
+      <p:cxnSp>
+        <p:nvCxnSpPr>
+          <p:cNvPr id="104" name="Straight Connector 103"/>
+          <p:cNvCxnSpPr/>
+          <p:nvPr/>
+        </p:nvCxnSpPr>
+        <p:spPr>
+          <a:xfrm>
+            <a:off x="8381269" y="1702210"/>
+            <a:ext cx="0" cy="907301"/>
+          </a:xfrm>
+          <a:prstGeom prst="line">
+            <a:avLst/>
+          </a:prstGeom>
+          <a:ln w="28575"/>
+        </p:spPr>
+        <p:style>
+          <a:lnRef idx="1">
+            <a:schemeClr val="accent1"/>
+          </a:lnRef>
+          <a:fillRef idx="0">
+            <a:schemeClr val="accent1"/>
+          </a:fillRef>
+          <a:effectRef idx="0">
+            <a:schemeClr val="accent1"/>
+          </a:effectRef>
+          <a:fontRef idx="minor">
+            <a:schemeClr val="tx1"/>
+          </a:fontRef>
+        </p:style>
+      </p:cxnSp>
+      <p:cxnSp>
+        <p:nvCxnSpPr>
+          <p:cNvPr id="105" name="Straight Connector 104"/>
+          <p:cNvCxnSpPr/>
+          <p:nvPr/>
+        </p:nvCxnSpPr>
+        <p:spPr>
+          <a:xfrm>
+            <a:off x="8582891" y="1702210"/>
+            <a:ext cx="0" cy="907301"/>
+          </a:xfrm>
+          <a:prstGeom prst="line">
+            <a:avLst/>
+          </a:prstGeom>
+          <a:ln w="28575"/>
+        </p:spPr>
+        <p:style>
+          <a:lnRef idx="1">
+            <a:schemeClr val="accent1"/>
+          </a:lnRef>
+          <a:fillRef idx="0">
+            <a:schemeClr val="accent1"/>
+          </a:fillRef>
+          <a:effectRef idx="0">
+            <a:schemeClr val="accent1"/>
+          </a:effectRef>
+          <a:fontRef idx="minor">
+            <a:schemeClr val="tx1"/>
+          </a:fontRef>
+        </p:style>
+      </p:cxnSp>
+      <p:cxnSp>
+        <p:nvCxnSpPr>
+          <p:cNvPr id="106" name="Straight Connector 105"/>
+          <p:cNvCxnSpPr/>
+          <p:nvPr/>
+        </p:nvCxnSpPr>
+        <p:spPr>
+          <a:xfrm>
+            <a:off x="7776402" y="1702210"/>
+            <a:ext cx="0" cy="907301"/>
+          </a:xfrm>
+          <a:prstGeom prst="line">
+            <a:avLst/>
+          </a:prstGeom>
+          <a:ln w="28575"/>
+        </p:spPr>
+        <p:style>
+          <a:lnRef idx="1">
+            <a:schemeClr val="accent1"/>
+          </a:lnRef>
+          <a:fillRef idx="0">
+            <a:schemeClr val="accent1"/>
+          </a:fillRef>
+          <a:effectRef idx="0">
+            <a:schemeClr val="accent1"/>
+          </a:effectRef>
+          <a:fontRef idx="minor">
+            <a:schemeClr val="tx1"/>
+          </a:fontRef>
+        </p:style>
+      </p:cxnSp>
+      <p:cxnSp>
+        <p:nvCxnSpPr>
+          <p:cNvPr id="107" name="Straight Connector 106"/>
+          <p:cNvCxnSpPr/>
+          <p:nvPr/>
+        </p:nvCxnSpPr>
+        <p:spPr>
+          <a:xfrm>
+            <a:off x="8784514" y="1702210"/>
+            <a:ext cx="0" cy="907301"/>
+          </a:xfrm>
+          <a:prstGeom prst="line">
+            <a:avLst/>
+          </a:prstGeom>
+          <a:ln w="28575"/>
+        </p:spPr>
+        <p:style>
+          <a:lnRef idx="1">
+            <a:schemeClr val="accent1"/>
+          </a:lnRef>
+          <a:fillRef idx="0">
+            <a:schemeClr val="accent1"/>
+          </a:fillRef>
+          <a:effectRef idx="0">
+            <a:schemeClr val="accent1"/>
+          </a:effectRef>
+          <a:fontRef idx="minor">
+            <a:schemeClr val="tx1"/>
+          </a:fontRef>
+        </p:style>
+      </p:cxnSp>
+      <p:cxnSp>
+        <p:nvCxnSpPr>
+          <p:cNvPr id="108" name="Straight Connector 107"/>
+          <p:cNvCxnSpPr/>
+          <p:nvPr/>
+        </p:nvCxnSpPr>
+        <p:spPr>
+          <a:xfrm>
+            <a:off x="8986136" y="1702210"/>
+            <a:ext cx="0" cy="907301"/>
+          </a:xfrm>
+          <a:prstGeom prst="line">
+            <a:avLst/>
+          </a:prstGeom>
+          <a:ln w="28575"/>
+        </p:spPr>
+        <p:style>
+          <a:lnRef idx="1">
+            <a:schemeClr val="accent1"/>
+          </a:lnRef>
+          <a:fillRef idx="0">
+            <a:schemeClr val="accent1"/>
+          </a:fillRef>
+          <a:effectRef idx="0">
+            <a:schemeClr val="accent1"/>
+          </a:effectRef>
+          <a:fontRef idx="minor">
+            <a:schemeClr val="tx1"/>
+          </a:fontRef>
+        </p:style>
+      </p:cxnSp>
+      <p:cxnSp>
+        <p:nvCxnSpPr>
+          <p:cNvPr id="109" name="Straight Connector 108"/>
+          <p:cNvCxnSpPr/>
+          <p:nvPr/>
+        </p:nvCxnSpPr>
+        <p:spPr>
+          <a:xfrm>
+            <a:off x="9389381" y="1702210"/>
+            <a:ext cx="0" cy="907301"/>
+          </a:xfrm>
+          <a:prstGeom prst="line">
+            <a:avLst/>
+          </a:prstGeom>
+          <a:ln w="28575"/>
+        </p:spPr>
+        <p:style>
+          <a:lnRef idx="1">
+            <a:schemeClr val="accent1"/>
+          </a:lnRef>
+          <a:fillRef idx="0">
+            <a:schemeClr val="accent1"/>
+          </a:fillRef>
+          <a:effectRef idx="0">
+            <a:schemeClr val="accent1"/>
+          </a:effectRef>
+          <a:fontRef idx="minor">
+            <a:schemeClr val="tx1"/>
+          </a:fontRef>
+        </p:style>
+      </p:cxnSp>
+      <p:cxnSp>
+        <p:nvCxnSpPr>
+          <p:cNvPr id="110" name="Straight Connector 109"/>
+          <p:cNvCxnSpPr/>
+          <p:nvPr/>
+        </p:nvCxnSpPr>
+        <p:spPr>
+          <a:xfrm>
+            <a:off x="9602741" y="1702210"/>
+            <a:ext cx="0" cy="907301"/>
+          </a:xfrm>
+          <a:prstGeom prst="line">
+            <a:avLst/>
+          </a:prstGeom>
+          <a:ln w="28575"/>
+        </p:spPr>
+        <p:style>
+          <a:lnRef idx="1">
+            <a:schemeClr val="accent1"/>
+          </a:lnRef>
+          <a:fillRef idx="0">
+            <a:schemeClr val="accent1"/>
+          </a:fillRef>
+          <a:effectRef idx="0">
+            <a:schemeClr val="accent1"/>
+          </a:effectRef>
+          <a:fontRef idx="minor">
+            <a:schemeClr val="tx1"/>
+          </a:fontRef>
+        </p:style>
+      </p:cxnSp>
+      <p:cxnSp>
+        <p:nvCxnSpPr>
+          <p:cNvPr id="111" name="Straight Connector 110"/>
+          <p:cNvCxnSpPr/>
+          <p:nvPr/>
+        </p:nvCxnSpPr>
+        <p:spPr>
+          <a:xfrm>
+            <a:off x="9792626" y="1702210"/>
+            <a:ext cx="0" cy="907301"/>
+          </a:xfrm>
+          <a:prstGeom prst="line">
+            <a:avLst/>
+          </a:prstGeom>
+          <a:ln w="28575"/>
+        </p:spPr>
+        <p:style>
+          <a:lnRef idx="1">
+            <a:schemeClr val="accent1"/>
+          </a:lnRef>
+          <a:fillRef idx="0">
+            <a:schemeClr val="accent1"/>
+          </a:fillRef>
+          <a:effectRef idx="0">
+            <a:schemeClr val="accent1"/>
+          </a:effectRef>
+          <a:fontRef idx="minor">
+            <a:schemeClr val="tx1"/>
+          </a:fontRef>
+        </p:style>
+      </p:cxnSp>
+      <p:cxnSp>
+        <p:nvCxnSpPr>
+          <p:cNvPr id="112" name="Straight Connector 111"/>
+          <p:cNvCxnSpPr/>
+          <p:nvPr/>
+        </p:nvCxnSpPr>
+        <p:spPr>
+          <a:xfrm>
+            <a:off x="9994248" y="1702210"/>
+            <a:ext cx="0" cy="907301"/>
+          </a:xfrm>
+          <a:prstGeom prst="line">
+            <a:avLst/>
+          </a:prstGeom>
+          <a:ln w="28575"/>
+        </p:spPr>
+        <p:style>
+          <a:lnRef idx="1">
+            <a:schemeClr val="accent1"/>
+          </a:lnRef>
+          <a:fillRef idx="0">
+            <a:schemeClr val="accent1"/>
+          </a:fillRef>
+          <a:effectRef idx="0">
+            <a:schemeClr val="accent1"/>
+          </a:effectRef>
+          <a:fontRef idx="minor">
+            <a:schemeClr val="tx1"/>
+          </a:fontRef>
+        </p:style>
+      </p:cxnSp>
+      <p:cxnSp>
+        <p:nvCxnSpPr>
+          <p:cNvPr id="113" name="Straight Connector 112"/>
+          <p:cNvCxnSpPr/>
+          <p:nvPr/>
+        </p:nvCxnSpPr>
+        <p:spPr>
+          <a:xfrm>
+            <a:off x="9187759" y="1702210"/>
+            <a:ext cx="0" cy="907301"/>
+          </a:xfrm>
+          <a:prstGeom prst="line">
+            <a:avLst/>
+          </a:prstGeom>
+          <a:ln w="28575"/>
+        </p:spPr>
+        <p:style>
+          <a:lnRef idx="1">
+            <a:schemeClr val="accent1"/>
+          </a:lnRef>
+          <a:fillRef idx="0">
+            <a:schemeClr val="accent1"/>
+          </a:fillRef>
+          <a:effectRef idx="0">
+            <a:schemeClr val="accent1"/>
+          </a:effectRef>
+          <a:fontRef idx="minor">
+            <a:schemeClr val="tx1"/>
+          </a:fontRef>
+        </p:style>
+      </p:cxnSp>
+      <p:cxnSp>
+        <p:nvCxnSpPr>
+          <p:cNvPr id="114" name="Straight Connector 113"/>
+          <p:cNvCxnSpPr/>
+          <p:nvPr/>
+        </p:nvCxnSpPr>
+        <p:spPr>
+          <a:xfrm>
+            <a:off x="10195871" y="1702210"/>
+            <a:ext cx="0" cy="907301"/>
+          </a:xfrm>
+          <a:prstGeom prst="line">
+            <a:avLst/>
+          </a:prstGeom>
+          <a:ln w="28575"/>
+        </p:spPr>
+        <p:style>
+          <a:lnRef idx="1">
+            <a:schemeClr val="accent1"/>
+          </a:lnRef>
+          <a:fillRef idx="0">
+            <a:schemeClr val="accent1"/>
+          </a:fillRef>
+          <a:effectRef idx="0">
+            <a:schemeClr val="accent1"/>
+          </a:effectRef>
+          <a:fontRef idx="minor">
+            <a:schemeClr val="tx1"/>
+          </a:fontRef>
+        </p:style>
+      </p:cxnSp>
+      <p:cxnSp>
+        <p:nvCxnSpPr>
+          <p:cNvPr id="115" name="Straight Connector 114"/>
+          <p:cNvCxnSpPr/>
+          <p:nvPr/>
+        </p:nvCxnSpPr>
+        <p:spPr>
+          <a:xfrm>
+            <a:off x="10397493" y="1702210"/>
+            <a:ext cx="0" cy="907301"/>
+          </a:xfrm>
+          <a:prstGeom prst="line">
+            <a:avLst/>
+          </a:prstGeom>
+          <a:ln w="28575"/>
+        </p:spPr>
+        <p:style>
+          <a:lnRef idx="1">
+            <a:schemeClr val="accent1"/>
+          </a:lnRef>
+          <a:fillRef idx="0">
+            <a:schemeClr val="accent1"/>
+          </a:fillRef>
+          <a:effectRef idx="0">
+            <a:schemeClr val="accent1"/>
+          </a:effectRef>
+          <a:fontRef idx="minor">
+            <a:schemeClr val="tx1"/>
+          </a:fontRef>
+        </p:style>
+      </p:cxnSp>
+      <p:cxnSp>
+        <p:nvCxnSpPr>
+          <p:cNvPr id="116" name="Straight Connector 115"/>
+          <p:cNvCxnSpPr/>
+          <p:nvPr/>
+        </p:nvCxnSpPr>
+        <p:spPr>
+          <a:xfrm>
+            <a:off x="10599115" y="1702210"/>
+            <a:ext cx="0" cy="907301"/>
+          </a:xfrm>
+          <a:prstGeom prst="line">
+            <a:avLst/>
+          </a:prstGeom>
+          <a:ln w="28575"/>
+        </p:spPr>
+        <p:style>
+          <a:lnRef idx="1">
+            <a:schemeClr val="accent1"/>
+          </a:lnRef>
+          <a:fillRef idx="0">
+            <a:schemeClr val="accent1"/>
+          </a:fillRef>
+          <a:effectRef idx="0">
+            <a:schemeClr val="accent1"/>
+          </a:effectRef>
+          <a:fontRef idx="minor">
+            <a:schemeClr val="tx1"/>
+          </a:fontRef>
+        </p:style>
+      </p:cxnSp>
+      <p:cxnSp>
+        <p:nvCxnSpPr>
+          <p:cNvPr id="117" name="Straight Connector 116"/>
+          <p:cNvCxnSpPr/>
+          <p:nvPr/>
+        </p:nvCxnSpPr>
+        <p:spPr>
+          <a:xfrm>
+            <a:off x="10800738" y="1702210"/>
+            <a:ext cx="0" cy="907301"/>
+          </a:xfrm>
+          <a:prstGeom prst="line">
+            <a:avLst/>
+          </a:prstGeom>
+          <a:ln w="28575"/>
+        </p:spPr>
+        <p:style>
+          <a:lnRef idx="1">
+            <a:schemeClr val="accent1"/>
+          </a:lnRef>
+          <a:fillRef idx="0">
+            <a:schemeClr val="accent1"/>
+          </a:fillRef>
+          <a:effectRef idx="0">
+            <a:schemeClr val="accent1"/>
+          </a:effectRef>
+          <a:fontRef idx="minor">
+            <a:schemeClr val="tx1"/>
+          </a:fontRef>
+        </p:style>
+      </p:cxnSp>
+      <p:sp>
+        <p:nvSpPr>
+          <p:cNvPr id="118" name="Rectangle 117"/>
           <p:cNvSpPr/>
           <p:nvPr/>
         </p:nvSpPr>
         <p:spPr>
           <a:xfrm>
-            <a:off x="2467426" y="2061120"/>
-            <a:ext cx="3456384" cy="108012"/>
+            <a:off x="6163422" y="1903831"/>
+            <a:ext cx="4838938" cy="151217"/>
           </a:xfrm>
           <a:prstGeom prst="rect">
             <a:avLst/>
@@ -3886,7 +3886,7 @@
           </a:fontRef>
         </p:style>
         <p:txBody>
-          <a:bodyPr rtlCol="0" anchor="ctr"/>
+          <a:bodyPr lIns="128016" tIns="64008" rIns="128016" bIns="64008" rtlCol="0" anchor="ctr"/>
           <a:lstStyle/>
           <a:p>
             <a:pPr algn="ctr"/>
@@ -3896,74 +3896,74 @@
       </p:sp>
       <p:cxnSp>
         <p:nvCxnSpPr>
-          <p:cNvPr id="32" name="Straight Connector 31"/>
+          <p:cNvPr id="119" name="Straight Connector 118"/>
           <p:cNvCxnSpPr/>
           <p:nvPr/>
         </p:nvCxnSpPr>
         <p:spPr>
           <a:xfrm flipH="1">
-            <a:off x="1603330" y="2061120"/>
-            <a:ext cx="864096" cy="0"/>
-          </a:xfrm>
-          <a:prstGeom prst="line">
-            <a:avLst/>
-          </a:prstGeom>
-        </p:spPr>
-        <p:style>
-          <a:lnRef idx="1">
-            <a:schemeClr val="accent1"/>
-          </a:lnRef>
-          <a:fillRef idx="0">
-            <a:schemeClr val="accent1"/>
-          </a:fillRef>
-          <a:effectRef idx="0">
-            <a:schemeClr val="accent1"/>
-          </a:effectRef>
-          <a:fontRef idx="minor">
-            <a:schemeClr val="tx1"/>
-          </a:fontRef>
-        </p:style>
-      </p:cxnSp>
-      <p:cxnSp>
-        <p:nvCxnSpPr>
-          <p:cNvPr id="33" name="Straight Connector 32"/>
+            <a:off x="4953688" y="1903830"/>
+            <a:ext cx="1209734" cy="0"/>
+          </a:xfrm>
+          <a:prstGeom prst="line">
+            <a:avLst/>
+          </a:prstGeom>
+        </p:spPr>
+        <p:style>
+          <a:lnRef idx="1">
+            <a:schemeClr val="accent1"/>
+          </a:lnRef>
+          <a:fillRef idx="0">
+            <a:schemeClr val="accent1"/>
+          </a:fillRef>
+          <a:effectRef idx="0">
+            <a:schemeClr val="accent1"/>
+          </a:effectRef>
+          <a:fontRef idx="minor">
+            <a:schemeClr val="tx1"/>
+          </a:fontRef>
+        </p:style>
+      </p:cxnSp>
+      <p:cxnSp>
+        <p:nvCxnSpPr>
+          <p:cNvPr id="120" name="Straight Connector 119"/>
           <p:cNvCxnSpPr/>
           <p:nvPr/>
         </p:nvCxnSpPr>
         <p:spPr>
           <a:xfrm flipH="1">
-            <a:off x="1603330" y="1557064"/>
-            <a:ext cx="864096" cy="0"/>
-          </a:xfrm>
-          <a:prstGeom prst="line">
-            <a:avLst/>
-          </a:prstGeom>
-        </p:spPr>
-        <p:style>
-          <a:lnRef idx="1">
-            <a:schemeClr val="accent1"/>
-          </a:lnRef>
-          <a:fillRef idx="0">
-            <a:schemeClr val="accent1"/>
-          </a:fillRef>
-          <a:effectRef idx="0">
-            <a:schemeClr val="accent1"/>
-          </a:effectRef>
-          <a:fontRef idx="minor">
-            <a:schemeClr val="tx1"/>
-          </a:fontRef>
-        </p:style>
-      </p:cxnSp>
-      <p:sp>
-        <p:nvSpPr>
-          <p:cNvPr id="34" name="TextBox 33"/>
+            <a:off x="4953688" y="1198152"/>
+            <a:ext cx="1209734" cy="0"/>
+          </a:xfrm>
+          <a:prstGeom prst="line">
+            <a:avLst/>
+          </a:prstGeom>
+        </p:spPr>
+        <p:style>
+          <a:lnRef idx="1">
+            <a:schemeClr val="accent1"/>
+          </a:lnRef>
+          <a:fillRef idx="0">
+            <a:schemeClr val="accent1"/>
+          </a:fillRef>
+          <a:effectRef idx="0">
+            <a:schemeClr val="accent1"/>
+          </a:effectRef>
+          <a:fontRef idx="minor">
+            <a:schemeClr val="tx1"/>
+          </a:fontRef>
+        </p:style>
+      </p:cxnSp>
+      <p:sp>
+        <p:nvSpPr>
+          <p:cNvPr id="121" name="TextBox 120"/>
           <p:cNvSpPr txBox="1"/>
           <p:nvPr/>
         </p:nvSpPr>
         <p:spPr>
           <a:xfrm>
-            <a:off x="1603330" y="1587208"/>
-            <a:ext cx="787395" cy="369332"/>
+            <a:off x="4953690" y="1240356"/>
+            <a:ext cx="1095300" cy="513987"/>
           </a:xfrm>
           <a:prstGeom prst="rect">
             <a:avLst/>
@@ -3971,7 +3971,7 @@
           <a:noFill/>
         </p:spPr>
         <p:txBody>
-          <a:bodyPr wrap="none" rtlCol="0">
+          <a:bodyPr wrap="none" lIns="128016" tIns="64008" rIns="128016" bIns="64008" rtlCol="0">
             <a:spAutoFit/>
           </a:bodyPr>
           <a:lstStyle/>
@@ -3986,134 +3986,134 @@
       </p:sp>
       <p:cxnSp>
         <p:nvCxnSpPr>
-          <p:cNvPr id="35" name="Straight Connector 34"/>
+          <p:cNvPr id="122" name="Straight Connector 121"/>
           <p:cNvCxnSpPr/>
           <p:nvPr/>
         </p:nvCxnSpPr>
         <p:spPr>
           <a:xfrm flipH="1">
-            <a:off x="5563770" y="1917104"/>
-            <a:ext cx="864096" cy="0"/>
-          </a:xfrm>
-          <a:prstGeom prst="line">
-            <a:avLst/>
-          </a:prstGeom>
-        </p:spPr>
-        <p:style>
-          <a:lnRef idx="1">
-            <a:schemeClr val="accent1"/>
-          </a:lnRef>
-          <a:fillRef idx="0">
-            <a:schemeClr val="accent1"/>
-          </a:fillRef>
-          <a:effectRef idx="0">
-            <a:schemeClr val="accent1"/>
-          </a:effectRef>
-          <a:fontRef idx="minor">
-            <a:schemeClr val="tx1"/>
-          </a:fontRef>
-        </p:style>
-      </p:cxnSp>
-      <p:cxnSp>
-        <p:nvCxnSpPr>
-          <p:cNvPr id="36" name="Straight Connector 35"/>
+            <a:off x="10498304" y="1702208"/>
+            <a:ext cx="1209734" cy="0"/>
+          </a:xfrm>
+          <a:prstGeom prst="line">
+            <a:avLst/>
+          </a:prstGeom>
+        </p:spPr>
+        <p:style>
+          <a:lnRef idx="1">
+            <a:schemeClr val="accent1"/>
+          </a:lnRef>
+          <a:fillRef idx="0">
+            <a:schemeClr val="accent1"/>
+          </a:fillRef>
+          <a:effectRef idx="0">
+            <a:schemeClr val="accent1"/>
+          </a:effectRef>
+          <a:fontRef idx="minor">
+            <a:schemeClr val="tx1"/>
+          </a:fontRef>
+        </p:style>
+      </p:cxnSp>
+      <p:cxnSp>
+        <p:nvCxnSpPr>
+          <p:cNvPr id="123" name="Straight Connector 122"/>
           <p:cNvCxnSpPr/>
           <p:nvPr/>
         </p:nvCxnSpPr>
         <p:spPr>
           <a:xfrm flipH="1">
-            <a:off x="5563770" y="1557064"/>
-            <a:ext cx="864096" cy="0"/>
-          </a:xfrm>
-          <a:prstGeom prst="line">
-            <a:avLst/>
-          </a:prstGeom>
-        </p:spPr>
-        <p:style>
-          <a:lnRef idx="1">
-            <a:schemeClr val="accent1"/>
-          </a:lnRef>
-          <a:fillRef idx="0">
-            <a:schemeClr val="accent1"/>
-          </a:fillRef>
-          <a:effectRef idx="0">
-            <a:schemeClr val="accent1"/>
-          </a:effectRef>
-          <a:fontRef idx="minor">
-            <a:schemeClr val="tx1"/>
-          </a:fontRef>
-        </p:style>
-      </p:cxnSp>
-      <p:cxnSp>
-        <p:nvCxnSpPr>
-          <p:cNvPr id="37" name="Straight Connector 36"/>
+            <a:off x="10498304" y="1198152"/>
+            <a:ext cx="1209734" cy="0"/>
+          </a:xfrm>
+          <a:prstGeom prst="line">
+            <a:avLst/>
+          </a:prstGeom>
+        </p:spPr>
+        <p:style>
+          <a:lnRef idx="1">
+            <a:schemeClr val="accent1"/>
+          </a:lnRef>
+          <a:fillRef idx="0">
+            <a:schemeClr val="accent1"/>
+          </a:fillRef>
+          <a:effectRef idx="0">
+            <a:schemeClr val="accent1"/>
+          </a:effectRef>
+          <a:fontRef idx="minor">
+            <a:schemeClr val="tx1"/>
+          </a:fontRef>
+        </p:style>
+      </p:cxnSp>
+      <p:cxnSp>
+        <p:nvCxnSpPr>
+          <p:cNvPr id="124" name="Straight Connector 123"/>
           <p:cNvCxnSpPr/>
           <p:nvPr/>
         </p:nvCxnSpPr>
         <p:spPr>
           <a:xfrm flipH="1">
-            <a:off x="5563770" y="2565176"/>
-            <a:ext cx="864096" cy="0"/>
-          </a:xfrm>
-          <a:prstGeom prst="line">
-            <a:avLst/>
-          </a:prstGeom>
-        </p:spPr>
-        <p:style>
-          <a:lnRef idx="1">
-            <a:schemeClr val="accent1"/>
-          </a:lnRef>
-          <a:fillRef idx="0">
-            <a:schemeClr val="accent1"/>
-          </a:fillRef>
-          <a:effectRef idx="0">
-            <a:schemeClr val="accent1"/>
-          </a:effectRef>
-          <a:fontRef idx="minor">
-            <a:schemeClr val="tx1"/>
-          </a:fontRef>
-        </p:style>
-      </p:cxnSp>
-      <p:cxnSp>
-        <p:nvCxnSpPr>
-          <p:cNvPr id="38" name="Straight Connector 37"/>
+            <a:off x="10498304" y="2609509"/>
+            <a:ext cx="1209734" cy="0"/>
+          </a:xfrm>
+          <a:prstGeom prst="line">
+            <a:avLst/>
+          </a:prstGeom>
+        </p:spPr>
+        <p:style>
+          <a:lnRef idx="1">
+            <a:schemeClr val="accent1"/>
+          </a:lnRef>
+          <a:fillRef idx="0">
+            <a:schemeClr val="accent1"/>
+          </a:fillRef>
+          <a:effectRef idx="0">
+            <a:schemeClr val="accent1"/>
+          </a:effectRef>
+          <a:fontRef idx="minor">
+            <a:schemeClr val="tx1"/>
+          </a:fontRef>
+        </p:style>
+      </p:cxnSp>
+      <p:cxnSp>
+        <p:nvCxnSpPr>
+          <p:cNvPr id="125" name="Straight Connector 124"/>
           <p:cNvCxnSpPr/>
           <p:nvPr/>
         </p:nvCxnSpPr>
         <p:spPr>
           <a:xfrm flipH="1">
-            <a:off x="5419754" y="1557064"/>
-            <a:ext cx="864096" cy="0"/>
-          </a:xfrm>
-          <a:prstGeom prst="line">
-            <a:avLst/>
-          </a:prstGeom>
-        </p:spPr>
-        <p:style>
-          <a:lnRef idx="1">
-            <a:schemeClr val="accent1"/>
-          </a:lnRef>
-          <a:fillRef idx="0">
-            <a:schemeClr val="accent1"/>
-          </a:fillRef>
-          <a:effectRef idx="0">
-            <a:schemeClr val="accent1"/>
-          </a:effectRef>
-          <a:fontRef idx="minor">
-            <a:schemeClr val="tx1"/>
-          </a:fontRef>
-        </p:style>
-      </p:cxnSp>
-      <p:sp>
-        <p:nvSpPr>
-          <p:cNvPr id="39" name="TextBox 38"/>
+            <a:off x="10296682" y="1198152"/>
+            <a:ext cx="1209734" cy="0"/>
+          </a:xfrm>
+          <a:prstGeom prst="line">
+            <a:avLst/>
+          </a:prstGeom>
+        </p:spPr>
+        <p:style>
+          <a:lnRef idx="1">
+            <a:schemeClr val="accent1"/>
+          </a:lnRef>
+          <a:fillRef idx="0">
+            <a:schemeClr val="accent1"/>
+          </a:fillRef>
+          <a:effectRef idx="0">
+            <a:schemeClr val="accent1"/>
+          </a:effectRef>
+          <a:fontRef idx="minor">
+            <a:schemeClr val="tx1"/>
+          </a:fontRef>
+        </p:style>
+      </p:cxnSp>
+      <p:sp>
+        <p:nvSpPr>
+          <p:cNvPr id="126" name="TextBox 125"/>
           <p:cNvSpPr txBox="1"/>
           <p:nvPr/>
         </p:nvSpPr>
         <p:spPr>
           <a:xfrm>
-            <a:off x="6034168" y="1557064"/>
-            <a:ext cx="1015021" cy="369332"/>
+            <a:off x="11156863" y="1198154"/>
+            <a:ext cx="1409488" cy="513987"/>
           </a:xfrm>
           <a:prstGeom prst="rect">
             <a:avLst/>
@@ -4121,7 +4121,7 @@
           <a:noFill/>
         </p:spPr>
         <p:txBody>
-          <a:bodyPr wrap="none" rtlCol="0">
+          <a:bodyPr wrap="none" lIns="128016" tIns="64008" rIns="128016" bIns="64008" rtlCol="0">
             <a:spAutoFit/>
           </a:bodyPr>
           <a:lstStyle/>
@@ -4136,14 +4136,14 @@
       </p:sp>
       <p:sp>
         <p:nvSpPr>
-          <p:cNvPr id="40" name="TextBox 39"/>
+          <p:cNvPr id="127" name="TextBox 126"/>
           <p:cNvSpPr txBox="1"/>
           <p:nvPr/>
         </p:nvSpPr>
         <p:spPr>
           <a:xfrm>
-            <a:off x="6060917" y="2051828"/>
-            <a:ext cx="1015021" cy="369332"/>
+            <a:off x="11194312" y="1890824"/>
+            <a:ext cx="1409488" cy="513987"/>
           </a:xfrm>
           <a:prstGeom prst="rect">
             <a:avLst/>
@@ -4151,7 +4151,7 @@
           <a:noFill/>
         </p:spPr>
         <p:txBody>
-          <a:bodyPr wrap="none" rtlCol="0">
+          <a:bodyPr wrap="none" lIns="128016" tIns="64008" rIns="128016" bIns="64008" rtlCol="0">
             <a:spAutoFit/>
           </a:bodyPr>
           <a:lstStyle/>
@@ -4166,74 +4166,74 @@
       </p:sp>
       <p:cxnSp>
         <p:nvCxnSpPr>
-          <p:cNvPr id="41" name="Straight Connector 40"/>
+          <p:cNvPr id="128" name="Straight Connector 127"/>
           <p:cNvCxnSpPr/>
           <p:nvPr/>
         </p:nvCxnSpPr>
         <p:spPr>
           <a:xfrm flipH="1">
-            <a:off x="1603330" y="2171806"/>
-            <a:ext cx="864096" cy="0"/>
-          </a:xfrm>
-          <a:prstGeom prst="line">
-            <a:avLst/>
-          </a:prstGeom>
-        </p:spPr>
-        <p:style>
-          <a:lnRef idx="1">
-            <a:schemeClr val="accent1"/>
-          </a:lnRef>
-          <a:fillRef idx="0">
-            <a:schemeClr val="accent1"/>
-          </a:fillRef>
-          <a:effectRef idx="0">
-            <a:schemeClr val="accent1"/>
-          </a:effectRef>
-          <a:fontRef idx="minor">
-            <a:schemeClr val="tx1"/>
-          </a:fontRef>
-        </p:style>
-      </p:cxnSp>
-      <p:cxnSp>
-        <p:nvCxnSpPr>
-          <p:cNvPr id="42" name="Straight Connector 41"/>
+            <a:off x="4953688" y="2058791"/>
+            <a:ext cx="1209734" cy="0"/>
+          </a:xfrm>
+          <a:prstGeom prst="line">
+            <a:avLst/>
+          </a:prstGeom>
+        </p:spPr>
+        <p:style>
+          <a:lnRef idx="1">
+            <a:schemeClr val="accent1"/>
+          </a:lnRef>
+          <a:fillRef idx="0">
+            <a:schemeClr val="accent1"/>
+          </a:fillRef>
+          <a:effectRef idx="0">
+            <a:schemeClr val="accent1"/>
+          </a:effectRef>
+          <a:fontRef idx="minor">
+            <a:schemeClr val="tx1"/>
+          </a:fontRef>
+        </p:style>
+      </p:cxnSp>
+      <p:cxnSp>
+        <p:nvCxnSpPr>
+          <p:cNvPr id="129" name="Straight Connector 128"/>
           <p:cNvCxnSpPr/>
           <p:nvPr/>
         </p:nvCxnSpPr>
         <p:spPr>
           <a:xfrm flipH="1">
-            <a:off x="1603330" y="2565176"/>
-            <a:ext cx="864096" cy="0"/>
-          </a:xfrm>
-          <a:prstGeom prst="line">
-            <a:avLst/>
-          </a:prstGeom>
-        </p:spPr>
-        <p:style>
-          <a:lnRef idx="1">
-            <a:schemeClr val="accent1"/>
-          </a:lnRef>
-          <a:fillRef idx="0">
-            <a:schemeClr val="accent1"/>
-          </a:fillRef>
-          <a:effectRef idx="0">
-            <a:schemeClr val="accent1"/>
-          </a:effectRef>
-          <a:fontRef idx="minor">
-            <a:schemeClr val="tx1"/>
-          </a:fontRef>
-        </p:style>
-      </p:cxnSp>
-      <p:sp>
-        <p:nvSpPr>
-          <p:cNvPr id="43" name="TextBox 42"/>
+            <a:off x="4953688" y="2609509"/>
+            <a:ext cx="1209734" cy="0"/>
+          </a:xfrm>
+          <a:prstGeom prst="line">
+            <a:avLst/>
+          </a:prstGeom>
+        </p:spPr>
+        <p:style>
+          <a:lnRef idx="1">
+            <a:schemeClr val="accent1"/>
+          </a:lnRef>
+          <a:fillRef idx="0">
+            <a:schemeClr val="accent1"/>
+          </a:fillRef>
+          <a:effectRef idx="0">
+            <a:schemeClr val="accent1"/>
+          </a:effectRef>
+          <a:fontRef idx="minor">
+            <a:schemeClr val="tx1"/>
+          </a:fontRef>
+        </p:style>
+      </p:cxnSp>
+      <p:sp>
+        <p:nvSpPr>
+          <p:cNvPr id="130" name="TextBox 129"/>
           <p:cNvSpPr txBox="1"/>
           <p:nvPr/>
         </p:nvSpPr>
         <p:spPr>
           <a:xfrm>
-            <a:off x="1641680" y="2195844"/>
-            <a:ext cx="845103" cy="369332"/>
+            <a:off x="5007379" y="2092446"/>
+            <a:ext cx="1175450" cy="513987"/>
           </a:xfrm>
           <a:prstGeom prst="rect">
             <a:avLst/>
@@ -4241,7 +4241,7 @@
           <a:noFill/>
         </p:spPr>
         <p:txBody>
-          <a:bodyPr wrap="none" rtlCol="0">
+          <a:bodyPr wrap="none" lIns="128016" tIns="64008" rIns="128016" bIns="64008" rtlCol="0">
             <a:spAutoFit/>
           </a:bodyPr>
           <a:lstStyle/>
@@ -4256,7 +4256,7 @@
       </p:sp>
       <p:pic>
         <p:nvPicPr>
-          <p:cNvPr id="1026" name="i156080053972a009eca1" descr="156080053972a009eca1"/>
+          <p:cNvPr id="131" name="i156080053972a009eca1" descr="156080053972a009eca1"/>
           <p:cNvPicPr>
             <a:picLocks noChangeAspect="1" noChangeArrowheads="1"/>
           </p:cNvPicPr>
@@ -4275,8 +4275,8 @@
         </p:blipFill>
         <p:spPr bwMode="auto">
           <a:xfrm>
-            <a:off x="2467426" y="3284984"/>
-            <a:ext cx="3133720" cy="2570479"/>
+            <a:off x="3768195" y="8506678"/>
+            <a:ext cx="4387208" cy="3598671"/>
           </a:xfrm>
           <a:prstGeom prst="rect">
             <a:avLst/>
@@ -4308,14 +4308,14 @@
       </p:pic>
       <p:cxnSp>
         <p:nvCxnSpPr>
-          <p:cNvPr id="46" name="Straight Arrow Connector 45"/>
+          <p:cNvPr id="132" name="Straight Arrow Connector 131"/>
           <p:cNvCxnSpPr/>
           <p:nvPr/>
         </p:nvCxnSpPr>
         <p:spPr>
           <a:xfrm flipH="1">
-            <a:off x="2882158" y="4341297"/>
-            <a:ext cx="2880320" cy="455855"/>
+            <a:off x="4348820" y="9985517"/>
+            <a:ext cx="4032448" cy="638197"/>
           </a:xfrm>
           <a:prstGeom prst="straightConnector1">
             <a:avLst/>
@@ -4344,14 +4344,14 @@
       </p:cxnSp>
       <p:cxnSp>
         <p:nvCxnSpPr>
-          <p:cNvPr id="49" name="Straight Arrow Connector 48"/>
+          <p:cNvPr id="133" name="Straight Arrow Connector 132"/>
           <p:cNvCxnSpPr/>
           <p:nvPr/>
         </p:nvCxnSpPr>
         <p:spPr>
           <a:xfrm flipH="1">
-            <a:off x="2987824" y="4149080"/>
-            <a:ext cx="2757826" cy="504056"/>
+            <a:off x="4496753" y="9716412"/>
+            <a:ext cx="3860956" cy="705678"/>
           </a:xfrm>
           <a:prstGeom prst="straightConnector1">
             <a:avLst/>
@@ -4380,14 +4380,14 @@
       </p:cxnSp>
       <p:cxnSp>
         <p:nvCxnSpPr>
-          <p:cNvPr id="51" name="Straight Arrow Connector 50"/>
+          <p:cNvPr id="134" name="Straight Arrow Connector 133"/>
           <p:cNvCxnSpPr/>
           <p:nvPr/>
         </p:nvCxnSpPr>
         <p:spPr>
           <a:xfrm flipH="1">
-            <a:off x="4792716" y="4441304"/>
-            <a:ext cx="1041770" cy="787896"/>
+            <a:off x="7023601" y="10125526"/>
+            <a:ext cx="1458478" cy="1103054"/>
           </a:xfrm>
           <a:prstGeom prst="straightConnector1">
             <a:avLst/>
@@ -4416,14 +4416,14 @@
       </p:cxnSp>
       <p:cxnSp>
         <p:nvCxnSpPr>
-          <p:cNvPr id="52" name="Straight Arrow Connector 51"/>
+          <p:cNvPr id="135" name="Straight Arrow Connector 134"/>
           <p:cNvCxnSpPr/>
           <p:nvPr/>
         </p:nvCxnSpPr>
         <p:spPr>
           <a:xfrm flipH="1">
-            <a:off x="4898382" y="4341297"/>
-            <a:ext cx="847267" cy="633404"/>
+            <a:off x="7171534" y="9985516"/>
+            <a:ext cx="1186174" cy="886766"/>
           </a:xfrm>
           <a:prstGeom prst="straightConnector1">
             <a:avLst/>
@@ -4452,14 +4452,14 @@
       </p:cxnSp>
       <p:sp>
         <p:nvSpPr>
-          <p:cNvPr id="53" name="TextBox 52"/>
+          <p:cNvPr id="136" name="TextBox 135"/>
           <p:cNvSpPr txBox="1"/>
           <p:nvPr/>
         </p:nvSpPr>
         <p:spPr>
           <a:xfrm>
-            <a:off x="5745649" y="3284984"/>
-            <a:ext cx="2337914" cy="1200329"/>
+            <a:off x="8357707" y="8506679"/>
+            <a:ext cx="3273080" cy="1668149"/>
           </a:xfrm>
           <a:prstGeom prst="rect">
             <a:avLst/>
@@ -4467,7 +4467,7 @@
           <a:noFill/>
         </p:spPr>
         <p:txBody>
-          <a:bodyPr wrap="square" rtlCol="0">
+          <a:bodyPr wrap="square" lIns="128016" tIns="64008" rIns="128016" bIns="64008" rtlCol="0">
             <a:spAutoFit/>
           </a:bodyPr>
           <a:lstStyle/>
@@ -4482,14 +4482,14 @@
       </p:sp>
       <p:cxnSp>
         <p:nvCxnSpPr>
-          <p:cNvPr id="55" name="Straight Arrow Connector 54"/>
+          <p:cNvPr id="137" name="Straight Arrow Connector 136"/>
           <p:cNvCxnSpPr/>
           <p:nvPr/>
         </p:nvCxnSpPr>
         <p:spPr>
           <a:xfrm flipH="1">
-            <a:off x="5076056" y="5301208"/>
-            <a:ext cx="1046462" cy="0"/>
+            <a:off x="7420279" y="11329391"/>
+            <a:ext cx="1465047" cy="0"/>
           </a:xfrm>
           <a:prstGeom prst="straightConnector1">
             <a:avLst/>
@@ -4525,14 +4525,14 @@
       </p:cxnSp>
       <p:sp>
         <p:nvSpPr>
-          <p:cNvPr id="57" name="TextBox 56"/>
+          <p:cNvPr id="138" name="TextBox 137"/>
           <p:cNvSpPr txBox="1"/>
           <p:nvPr/>
         </p:nvSpPr>
         <p:spPr>
           <a:xfrm>
-            <a:off x="6149922" y="4974701"/>
-            <a:ext cx="2337914" cy="923330"/>
+            <a:off x="8923690" y="10872281"/>
+            <a:ext cx="3273080" cy="1283428"/>
           </a:xfrm>
           <a:prstGeom prst="rect">
             <a:avLst/>
@@ -4540,7 +4540,7 @@
           <a:noFill/>
         </p:spPr>
         <p:txBody>
-          <a:bodyPr wrap="square" rtlCol="0">
+          <a:bodyPr wrap="square" lIns="128016" tIns="64008" rIns="128016" bIns="64008" rtlCol="0">
             <a:spAutoFit/>
           </a:bodyPr>
           <a:lstStyle/>
@@ -4559,14 +4559,14 @@
       </p:sp>
       <p:cxnSp>
         <p:nvCxnSpPr>
-          <p:cNvPr id="58" name="Straight Arrow Connector 57"/>
-          <p:cNvCxnSpPr/>
-          <p:nvPr/>
-        </p:nvCxnSpPr>
-        <p:spPr>
-          <a:xfrm>
-            <a:off x="2229393" y="3861048"/>
-            <a:ext cx="2414615" cy="288032"/>
+          <p:cNvPr id="139" name="Straight Arrow Connector 138"/>
+          <p:cNvCxnSpPr/>
+          <p:nvPr/>
+        </p:nvCxnSpPr>
+        <p:spPr>
+          <a:xfrm>
+            <a:off x="3434952" y="9313168"/>
+            <a:ext cx="3380461" cy="403245"/>
           </a:xfrm>
           <a:prstGeom prst="straightConnector1">
             <a:avLst/>
@@ -4602,14 +4602,1602 @@
       </p:cxnSp>
       <p:sp>
         <p:nvSpPr>
-          <p:cNvPr id="60" name="TextBox 59"/>
+          <p:cNvPr id="140" name="TextBox 139"/>
           <p:cNvSpPr txBox="1"/>
           <p:nvPr/>
         </p:nvSpPr>
         <p:spPr>
           <a:xfrm>
-            <a:off x="535271" y="3140968"/>
-            <a:ext cx="1804399" cy="1200329"/>
+            <a:off x="1063179" y="8305056"/>
+            <a:ext cx="2526159" cy="1668149"/>
+          </a:xfrm>
+          <a:prstGeom prst="rect">
+            <a:avLst/>
+          </a:prstGeom>
+          <a:noFill/>
+        </p:spPr>
+        <p:txBody>
+          <a:bodyPr wrap="square" lIns="128016" tIns="64008" rIns="128016" bIns="64008" rtlCol="0">
+            <a:spAutoFit/>
+          </a:bodyPr>
+          <a:lstStyle/>
+          <a:p>
+            <a:r>
+              <a:rPr lang="en-US" dirty="0" smtClean="0"/>
+              <a:t>4x USB facing out, on top layer,</a:t>
+            </a:r>
+          </a:p>
+          <a:p>
+            <a:r>
+              <a:rPr lang="en-US" dirty="0" smtClean="0"/>
+              <a:t>USB are flush with header</a:t>
+            </a:r>
+            <a:endParaRPr lang="en-US" dirty="0"/>
+          </a:p>
+        </p:txBody>
+      </p:sp>
+      <p:sp>
+        <p:nvSpPr>
+          <p:cNvPr id="141" name="Rectangle 140"/>
+          <p:cNvSpPr/>
+          <p:nvPr/>
+        </p:nvSpPr>
+        <p:spPr>
+          <a:xfrm>
+            <a:off x="6188224" y="4140547"/>
+            <a:ext cx="4838938" cy="504056"/>
+          </a:xfrm>
+          <a:prstGeom prst="rect">
+            <a:avLst/>
+          </a:prstGeom>
+        </p:spPr>
+        <p:style>
+          <a:lnRef idx="2">
+            <a:schemeClr val="accent1">
+              <a:shade val="50000"/>
+            </a:schemeClr>
+          </a:lnRef>
+          <a:fillRef idx="1">
+            <a:schemeClr val="accent1"/>
+          </a:fillRef>
+          <a:effectRef idx="0">
+            <a:schemeClr val="accent1"/>
+          </a:effectRef>
+          <a:fontRef idx="minor">
+            <a:schemeClr val="lt1"/>
+          </a:fontRef>
+        </p:style>
+        <p:txBody>
+          <a:bodyPr lIns="128016" tIns="64008" rIns="128016" bIns="64008" rtlCol="0" anchor="ctr"/>
+          <a:lstStyle/>
+          <a:p>
+            <a:pPr algn="ctr"/>
+            <a:endParaRPr lang="en-US"/>
+          </a:p>
+        </p:txBody>
+      </p:sp>
+      <p:cxnSp>
+        <p:nvCxnSpPr>
+          <p:cNvPr id="142" name="Straight Connector 141"/>
+          <p:cNvCxnSpPr/>
+          <p:nvPr/>
+        </p:nvCxnSpPr>
+        <p:spPr>
+          <a:xfrm>
+            <a:off x="6591469" y="4644605"/>
+            <a:ext cx="0" cy="907301"/>
+          </a:xfrm>
+          <a:prstGeom prst="line">
+            <a:avLst/>
+          </a:prstGeom>
+          <a:ln w="28575"/>
+        </p:spPr>
+        <p:style>
+          <a:lnRef idx="1">
+            <a:schemeClr val="accent1"/>
+          </a:lnRef>
+          <a:fillRef idx="0">
+            <a:schemeClr val="accent1"/>
+          </a:fillRef>
+          <a:effectRef idx="0">
+            <a:schemeClr val="accent1"/>
+          </a:effectRef>
+          <a:fontRef idx="minor">
+            <a:schemeClr val="tx1"/>
+          </a:fontRef>
+        </p:style>
+      </p:cxnSp>
+      <p:cxnSp>
+        <p:nvCxnSpPr>
+          <p:cNvPr id="143" name="Straight Connector 142"/>
+          <p:cNvCxnSpPr/>
+          <p:nvPr/>
+        </p:nvCxnSpPr>
+        <p:spPr>
+          <a:xfrm>
+            <a:off x="6804829" y="4644605"/>
+            <a:ext cx="0" cy="907301"/>
+          </a:xfrm>
+          <a:prstGeom prst="line">
+            <a:avLst/>
+          </a:prstGeom>
+          <a:ln w="28575"/>
+        </p:spPr>
+        <p:style>
+          <a:lnRef idx="1">
+            <a:schemeClr val="accent1"/>
+          </a:lnRef>
+          <a:fillRef idx="0">
+            <a:schemeClr val="accent1"/>
+          </a:fillRef>
+          <a:effectRef idx="0">
+            <a:schemeClr val="accent1"/>
+          </a:effectRef>
+          <a:fontRef idx="minor">
+            <a:schemeClr val="tx1"/>
+          </a:fontRef>
+        </p:style>
+      </p:cxnSp>
+      <p:cxnSp>
+        <p:nvCxnSpPr>
+          <p:cNvPr id="144" name="Straight Connector 143"/>
+          <p:cNvCxnSpPr/>
+          <p:nvPr/>
+        </p:nvCxnSpPr>
+        <p:spPr>
+          <a:xfrm>
+            <a:off x="6994713" y="4644605"/>
+            <a:ext cx="0" cy="907301"/>
+          </a:xfrm>
+          <a:prstGeom prst="line">
+            <a:avLst/>
+          </a:prstGeom>
+          <a:ln w="28575"/>
+        </p:spPr>
+        <p:style>
+          <a:lnRef idx="1">
+            <a:schemeClr val="accent1"/>
+          </a:lnRef>
+          <a:fillRef idx="0">
+            <a:schemeClr val="accent1"/>
+          </a:fillRef>
+          <a:effectRef idx="0">
+            <a:schemeClr val="accent1"/>
+          </a:effectRef>
+          <a:fontRef idx="minor">
+            <a:schemeClr val="tx1"/>
+          </a:fontRef>
+        </p:style>
+      </p:cxnSp>
+      <p:cxnSp>
+        <p:nvCxnSpPr>
+          <p:cNvPr id="145" name="Straight Connector 144"/>
+          <p:cNvCxnSpPr/>
+          <p:nvPr/>
+        </p:nvCxnSpPr>
+        <p:spPr>
+          <a:xfrm>
+            <a:off x="7196336" y="4644605"/>
+            <a:ext cx="0" cy="907301"/>
+          </a:xfrm>
+          <a:prstGeom prst="line">
+            <a:avLst/>
+          </a:prstGeom>
+          <a:ln w="28575"/>
+        </p:spPr>
+        <p:style>
+          <a:lnRef idx="1">
+            <a:schemeClr val="accent1"/>
+          </a:lnRef>
+          <a:fillRef idx="0">
+            <a:schemeClr val="accent1"/>
+          </a:fillRef>
+          <a:effectRef idx="0">
+            <a:schemeClr val="accent1"/>
+          </a:effectRef>
+          <a:fontRef idx="minor">
+            <a:schemeClr val="tx1"/>
+          </a:fontRef>
+        </p:style>
+      </p:cxnSp>
+      <p:cxnSp>
+        <p:nvCxnSpPr>
+          <p:cNvPr id="146" name="Straight Connector 145"/>
+          <p:cNvCxnSpPr/>
+          <p:nvPr/>
+        </p:nvCxnSpPr>
+        <p:spPr>
+          <a:xfrm>
+            <a:off x="6389846" y="4644605"/>
+            <a:ext cx="0" cy="907301"/>
+          </a:xfrm>
+          <a:prstGeom prst="line">
+            <a:avLst/>
+          </a:prstGeom>
+          <a:ln w="28575"/>
+        </p:spPr>
+        <p:style>
+          <a:lnRef idx="1">
+            <a:schemeClr val="accent1"/>
+          </a:lnRef>
+          <a:fillRef idx="0">
+            <a:schemeClr val="accent1"/>
+          </a:fillRef>
+          <a:effectRef idx="0">
+            <a:schemeClr val="accent1"/>
+          </a:effectRef>
+          <a:fontRef idx="minor">
+            <a:schemeClr val="tx1"/>
+          </a:fontRef>
+        </p:style>
+      </p:cxnSp>
+      <p:cxnSp>
+        <p:nvCxnSpPr>
+          <p:cNvPr id="147" name="Straight Connector 146"/>
+          <p:cNvCxnSpPr/>
+          <p:nvPr/>
+        </p:nvCxnSpPr>
+        <p:spPr>
+          <a:xfrm>
+            <a:off x="7397958" y="4644605"/>
+            <a:ext cx="0" cy="907301"/>
+          </a:xfrm>
+          <a:prstGeom prst="line">
+            <a:avLst/>
+          </a:prstGeom>
+          <a:ln w="28575"/>
+        </p:spPr>
+        <p:style>
+          <a:lnRef idx="1">
+            <a:schemeClr val="accent1"/>
+          </a:lnRef>
+          <a:fillRef idx="0">
+            <a:schemeClr val="accent1"/>
+          </a:fillRef>
+          <a:effectRef idx="0">
+            <a:schemeClr val="accent1"/>
+          </a:effectRef>
+          <a:fontRef idx="minor">
+            <a:schemeClr val="tx1"/>
+          </a:fontRef>
+        </p:style>
+      </p:cxnSp>
+      <p:cxnSp>
+        <p:nvCxnSpPr>
+          <p:cNvPr id="148" name="Straight Connector 147"/>
+          <p:cNvCxnSpPr/>
+          <p:nvPr/>
+        </p:nvCxnSpPr>
+        <p:spPr>
+          <a:xfrm>
+            <a:off x="7599581" y="4644605"/>
+            <a:ext cx="0" cy="907301"/>
+          </a:xfrm>
+          <a:prstGeom prst="line">
+            <a:avLst/>
+          </a:prstGeom>
+          <a:ln w="28575"/>
+        </p:spPr>
+        <p:style>
+          <a:lnRef idx="1">
+            <a:schemeClr val="accent1"/>
+          </a:lnRef>
+          <a:fillRef idx="0">
+            <a:schemeClr val="accent1"/>
+          </a:fillRef>
+          <a:effectRef idx="0">
+            <a:schemeClr val="accent1"/>
+          </a:effectRef>
+          <a:fontRef idx="minor">
+            <a:schemeClr val="tx1"/>
+          </a:fontRef>
+        </p:style>
+      </p:cxnSp>
+      <p:cxnSp>
+        <p:nvCxnSpPr>
+          <p:cNvPr id="149" name="Straight Connector 148"/>
+          <p:cNvCxnSpPr/>
+          <p:nvPr/>
+        </p:nvCxnSpPr>
+        <p:spPr>
+          <a:xfrm>
+            <a:off x="8002825" y="4644605"/>
+            <a:ext cx="0" cy="907301"/>
+          </a:xfrm>
+          <a:prstGeom prst="line">
+            <a:avLst/>
+          </a:prstGeom>
+          <a:ln w="28575"/>
+        </p:spPr>
+        <p:style>
+          <a:lnRef idx="1">
+            <a:schemeClr val="accent1"/>
+          </a:lnRef>
+          <a:fillRef idx="0">
+            <a:schemeClr val="accent1"/>
+          </a:fillRef>
+          <a:effectRef idx="0">
+            <a:schemeClr val="accent1"/>
+          </a:effectRef>
+          <a:fontRef idx="minor">
+            <a:schemeClr val="tx1"/>
+          </a:fontRef>
+        </p:style>
+      </p:cxnSp>
+      <p:cxnSp>
+        <p:nvCxnSpPr>
+          <p:cNvPr id="150" name="Straight Connector 149"/>
+          <p:cNvCxnSpPr/>
+          <p:nvPr/>
+        </p:nvCxnSpPr>
+        <p:spPr>
+          <a:xfrm>
+            <a:off x="8216185" y="4644605"/>
+            <a:ext cx="0" cy="907301"/>
+          </a:xfrm>
+          <a:prstGeom prst="line">
+            <a:avLst/>
+          </a:prstGeom>
+          <a:ln w="28575"/>
+        </p:spPr>
+        <p:style>
+          <a:lnRef idx="1">
+            <a:schemeClr val="accent1"/>
+          </a:lnRef>
+          <a:fillRef idx="0">
+            <a:schemeClr val="accent1"/>
+          </a:fillRef>
+          <a:effectRef idx="0">
+            <a:schemeClr val="accent1"/>
+          </a:effectRef>
+          <a:fontRef idx="minor">
+            <a:schemeClr val="tx1"/>
+          </a:fontRef>
+        </p:style>
+      </p:cxnSp>
+      <p:cxnSp>
+        <p:nvCxnSpPr>
+          <p:cNvPr id="151" name="Straight Connector 150"/>
+          <p:cNvCxnSpPr/>
+          <p:nvPr/>
+        </p:nvCxnSpPr>
+        <p:spPr>
+          <a:xfrm>
+            <a:off x="8406070" y="4644605"/>
+            <a:ext cx="0" cy="907301"/>
+          </a:xfrm>
+          <a:prstGeom prst="line">
+            <a:avLst/>
+          </a:prstGeom>
+          <a:ln w="28575"/>
+        </p:spPr>
+        <p:style>
+          <a:lnRef idx="1">
+            <a:schemeClr val="accent1"/>
+          </a:lnRef>
+          <a:fillRef idx="0">
+            <a:schemeClr val="accent1"/>
+          </a:fillRef>
+          <a:effectRef idx="0">
+            <a:schemeClr val="accent1"/>
+          </a:effectRef>
+          <a:fontRef idx="minor">
+            <a:schemeClr val="tx1"/>
+          </a:fontRef>
+        </p:style>
+      </p:cxnSp>
+      <p:cxnSp>
+        <p:nvCxnSpPr>
+          <p:cNvPr id="152" name="Straight Connector 151"/>
+          <p:cNvCxnSpPr/>
+          <p:nvPr/>
+        </p:nvCxnSpPr>
+        <p:spPr>
+          <a:xfrm>
+            <a:off x="8607693" y="4644605"/>
+            <a:ext cx="0" cy="907301"/>
+          </a:xfrm>
+          <a:prstGeom prst="line">
+            <a:avLst/>
+          </a:prstGeom>
+          <a:ln w="28575"/>
+        </p:spPr>
+        <p:style>
+          <a:lnRef idx="1">
+            <a:schemeClr val="accent1"/>
+          </a:lnRef>
+          <a:fillRef idx="0">
+            <a:schemeClr val="accent1"/>
+          </a:fillRef>
+          <a:effectRef idx="0">
+            <a:schemeClr val="accent1"/>
+          </a:effectRef>
+          <a:fontRef idx="minor">
+            <a:schemeClr val="tx1"/>
+          </a:fontRef>
+        </p:style>
+      </p:cxnSp>
+      <p:cxnSp>
+        <p:nvCxnSpPr>
+          <p:cNvPr id="153" name="Straight Connector 152"/>
+          <p:cNvCxnSpPr/>
+          <p:nvPr/>
+        </p:nvCxnSpPr>
+        <p:spPr>
+          <a:xfrm>
+            <a:off x="7801203" y="4644605"/>
+            <a:ext cx="0" cy="907301"/>
+          </a:xfrm>
+          <a:prstGeom prst="line">
+            <a:avLst/>
+          </a:prstGeom>
+          <a:ln w="28575"/>
+        </p:spPr>
+        <p:style>
+          <a:lnRef idx="1">
+            <a:schemeClr val="accent1"/>
+          </a:lnRef>
+          <a:fillRef idx="0">
+            <a:schemeClr val="accent1"/>
+          </a:fillRef>
+          <a:effectRef idx="0">
+            <a:schemeClr val="accent1"/>
+          </a:effectRef>
+          <a:fontRef idx="minor">
+            <a:schemeClr val="tx1"/>
+          </a:fontRef>
+        </p:style>
+      </p:cxnSp>
+      <p:cxnSp>
+        <p:nvCxnSpPr>
+          <p:cNvPr id="154" name="Straight Connector 153"/>
+          <p:cNvCxnSpPr/>
+          <p:nvPr/>
+        </p:nvCxnSpPr>
+        <p:spPr>
+          <a:xfrm>
+            <a:off x="8809315" y="4644605"/>
+            <a:ext cx="0" cy="907301"/>
+          </a:xfrm>
+          <a:prstGeom prst="line">
+            <a:avLst/>
+          </a:prstGeom>
+          <a:ln w="28575"/>
+        </p:spPr>
+        <p:style>
+          <a:lnRef idx="1">
+            <a:schemeClr val="accent1"/>
+          </a:lnRef>
+          <a:fillRef idx="0">
+            <a:schemeClr val="accent1"/>
+          </a:fillRef>
+          <a:effectRef idx="0">
+            <a:schemeClr val="accent1"/>
+          </a:effectRef>
+          <a:fontRef idx="minor">
+            <a:schemeClr val="tx1"/>
+          </a:fontRef>
+        </p:style>
+      </p:cxnSp>
+      <p:cxnSp>
+        <p:nvCxnSpPr>
+          <p:cNvPr id="155" name="Straight Connector 154"/>
+          <p:cNvCxnSpPr/>
+          <p:nvPr/>
+        </p:nvCxnSpPr>
+        <p:spPr>
+          <a:xfrm>
+            <a:off x="9010937" y="4644605"/>
+            <a:ext cx="0" cy="907301"/>
+          </a:xfrm>
+          <a:prstGeom prst="line">
+            <a:avLst/>
+          </a:prstGeom>
+          <a:ln w="28575"/>
+        </p:spPr>
+        <p:style>
+          <a:lnRef idx="1">
+            <a:schemeClr val="accent1"/>
+          </a:lnRef>
+          <a:fillRef idx="0">
+            <a:schemeClr val="accent1"/>
+          </a:fillRef>
+          <a:effectRef idx="0">
+            <a:schemeClr val="accent1"/>
+          </a:effectRef>
+          <a:fontRef idx="minor">
+            <a:schemeClr val="tx1"/>
+          </a:fontRef>
+        </p:style>
+      </p:cxnSp>
+      <p:cxnSp>
+        <p:nvCxnSpPr>
+          <p:cNvPr id="156" name="Straight Connector 155"/>
+          <p:cNvCxnSpPr/>
+          <p:nvPr/>
+        </p:nvCxnSpPr>
+        <p:spPr>
+          <a:xfrm>
+            <a:off x="9414182" y="4644605"/>
+            <a:ext cx="0" cy="907301"/>
+          </a:xfrm>
+          <a:prstGeom prst="line">
+            <a:avLst/>
+          </a:prstGeom>
+          <a:ln w="28575"/>
+        </p:spPr>
+        <p:style>
+          <a:lnRef idx="1">
+            <a:schemeClr val="accent1"/>
+          </a:lnRef>
+          <a:fillRef idx="0">
+            <a:schemeClr val="accent1"/>
+          </a:fillRef>
+          <a:effectRef idx="0">
+            <a:schemeClr val="accent1"/>
+          </a:effectRef>
+          <a:fontRef idx="minor">
+            <a:schemeClr val="tx1"/>
+          </a:fontRef>
+        </p:style>
+      </p:cxnSp>
+      <p:cxnSp>
+        <p:nvCxnSpPr>
+          <p:cNvPr id="157" name="Straight Connector 156"/>
+          <p:cNvCxnSpPr/>
+          <p:nvPr/>
+        </p:nvCxnSpPr>
+        <p:spPr>
+          <a:xfrm>
+            <a:off x="9627542" y="4644605"/>
+            <a:ext cx="0" cy="907301"/>
+          </a:xfrm>
+          <a:prstGeom prst="line">
+            <a:avLst/>
+          </a:prstGeom>
+          <a:ln w="28575"/>
+        </p:spPr>
+        <p:style>
+          <a:lnRef idx="1">
+            <a:schemeClr val="accent1"/>
+          </a:lnRef>
+          <a:fillRef idx="0">
+            <a:schemeClr val="accent1"/>
+          </a:fillRef>
+          <a:effectRef idx="0">
+            <a:schemeClr val="accent1"/>
+          </a:effectRef>
+          <a:fontRef idx="minor">
+            <a:schemeClr val="tx1"/>
+          </a:fontRef>
+        </p:style>
+      </p:cxnSp>
+      <p:cxnSp>
+        <p:nvCxnSpPr>
+          <p:cNvPr id="158" name="Straight Connector 157"/>
+          <p:cNvCxnSpPr/>
+          <p:nvPr/>
+        </p:nvCxnSpPr>
+        <p:spPr>
+          <a:xfrm>
+            <a:off x="9817427" y="4644605"/>
+            <a:ext cx="0" cy="907301"/>
+          </a:xfrm>
+          <a:prstGeom prst="line">
+            <a:avLst/>
+          </a:prstGeom>
+          <a:ln w="28575"/>
+        </p:spPr>
+        <p:style>
+          <a:lnRef idx="1">
+            <a:schemeClr val="accent1"/>
+          </a:lnRef>
+          <a:fillRef idx="0">
+            <a:schemeClr val="accent1"/>
+          </a:fillRef>
+          <a:effectRef idx="0">
+            <a:schemeClr val="accent1"/>
+          </a:effectRef>
+          <a:fontRef idx="minor">
+            <a:schemeClr val="tx1"/>
+          </a:fontRef>
+        </p:style>
+      </p:cxnSp>
+      <p:cxnSp>
+        <p:nvCxnSpPr>
+          <p:cNvPr id="159" name="Straight Connector 158"/>
+          <p:cNvCxnSpPr/>
+          <p:nvPr/>
+        </p:nvCxnSpPr>
+        <p:spPr>
+          <a:xfrm>
+            <a:off x="10019049" y="4644605"/>
+            <a:ext cx="0" cy="907301"/>
+          </a:xfrm>
+          <a:prstGeom prst="line">
+            <a:avLst/>
+          </a:prstGeom>
+          <a:ln w="28575"/>
+        </p:spPr>
+        <p:style>
+          <a:lnRef idx="1">
+            <a:schemeClr val="accent1"/>
+          </a:lnRef>
+          <a:fillRef idx="0">
+            <a:schemeClr val="accent1"/>
+          </a:fillRef>
+          <a:effectRef idx="0">
+            <a:schemeClr val="accent1"/>
+          </a:effectRef>
+          <a:fontRef idx="minor">
+            <a:schemeClr val="tx1"/>
+          </a:fontRef>
+        </p:style>
+      </p:cxnSp>
+      <p:cxnSp>
+        <p:nvCxnSpPr>
+          <p:cNvPr id="160" name="Straight Connector 159"/>
+          <p:cNvCxnSpPr/>
+          <p:nvPr/>
+        </p:nvCxnSpPr>
+        <p:spPr>
+          <a:xfrm>
+            <a:off x="9212560" y="4644605"/>
+            <a:ext cx="0" cy="907301"/>
+          </a:xfrm>
+          <a:prstGeom prst="line">
+            <a:avLst/>
+          </a:prstGeom>
+          <a:ln w="28575"/>
+        </p:spPr>
+        <p:style>
+          <a:lnRef idx="1">
+            <a:schemeClr val="accent1"/>
+          </a:lnRef>
+          <a:fillRef idx="0">
+            <a:schemeClr val="accent1"/>
+          </a:fillRef>
+          <a:effectRef idx="0">
+            <a:schemeClr val="accent1"/>
+          </a:effectRef>
+          <a:fontRef idx="minor">
+            <a:schemeClr val="tx1"/>
+          </a:fontRef>
+        </p:style>
+      </p:cxnSp>
+      <p:cxnSp>
+        <p:nvCxnSpPr>
+          <p:cNvPr id="161" name="Straight Connector 160"/>
+          <p:cNvCxnSpPr/>
+          <p:nvPr/>
+        </p:nvCxnSpPr>
+        <p:spPr>
+          <a:xfrm>
+            <a:off x="10220672" y="4644605"/>
+            <a:ext cx="0" cy="907301"/>
+          </a:xfrm>
+          <a:prstGeom prst="line">
+            <a:avLst/>
+          </a:prstGeom>
+          <a:ln w="28575"/>
+        </p:spPr>
+        <p:style>
+          <a:lnRef idx="1">
+            <a:schemeClr val="accent1"/>
+          </a:lnRef>
+          <a:fillRef idx="0">
+            <a:schemeClr val="accent1"/>
+          </a:fillRef>
+          <a:effectRef idx="0">
+            <a:schemeClr val="accent1"/>
+          </a:effectRef>
+          <a:fontRef idx="minor">
+            <a:schemeClr val="tx1"/>
+          </a:fontRef>
+        </p:style>
+      </p:cxnSp>
+      <p:cxnSp>
+        <p:nvCxnSpPr>
+          <p:cNvPr id="162" name="Straight Connector 161"/>
+          <p:cNvCxnSpPr/>
+          <p:nvPr/>
+        </p:nvCxnSpPr>
+        <p:spPr>
+          <a:xfrm>
+            <a:off x="10422294" y="4644605"/>
+            <a:ext cx="0" cy="907301"/>
+          </a:xfrm>
+          <a:prstGeom prst="line">
+            <a:avLst/>
+          </a:prstGeom>
+          <a:ln w="28575"/>
+        </p:spPr>
+        <p:style>
+          <a:lnRef idx="1">
+            <a:schemeClr val="accent1"/>
+          </a:lnRef>
+          <a:fillRef idx="0">
+            <a:schemeClr val="accent1"/>
+          </a:fillRef>
+          <a:effectRef idx="0">
+            <a:schemeClr val="accent1"/>
+          </a:effectRef>
+          <a:fontRef idx="minor">
+            <a:schemeClr val="tx1"/>
+          </a:fontRef>
+        </p:style>
+      </p:cxnSp>
+      <p:cxnSp>
+        <p:nvCxnSpPr>
+          <p:cNvPr id="163" name="Straight Connector 162"/>
+          <p:cNvCxnSpPr/>
+          <p:nvPr/>
+        </p:nvCxnSpPr>
+        <p:spPr>
+          <a:xfrm>
+            <a:off x="10623917" y="4644605"/>
+            <a:ext cx="0" cy="907301"/>
+          </a:xfrm>
+          <a:prstGeom prst="line">
+            <a:avLst/>
+          </a:prstGeom>
+          <a:ln w="28575"/>
+        </p:spPr>
+        <p:style>
+          <a:lnRef idx="1">
+            <a:schemeClr val="accent1"/>
+          </a:lnRef>
+          <a:fillRef idx="0">
+            <a:schemeClr val="accent1"/>
+          </a:fillRef>
+          <a:effectRef idx="0">
+            <a:schemeClr val="accent1"/>
+          </a:effectRef>
+          <a:fontRef idx="minor">
+            <a:schemeClr val="tx1"/>
+          </a:fontRef>
+        </p:style>
+      </p:cxnSp>
+      <p:cxnSp>
+        <p:nvCxnSpPr>
+          <p:cNvPr id="164" name="Straight Connector 163"/>
+          <p:cNvCxnSpPr/>
+          <p:nvPr/>
+        </p:nvCxnSpPr>
+        <p:spPr>
+          <a:xfrm>
+            <a:off x="10825539" y="4644605"/>
+            <a:ext cx="0" cy="907301"/>
+          </a:xfrm>
+          <a:prstGeom prst="line">
+            <a:avLst/>
+          </a:prstGeom>
+          <a:ln w="28575"/>
+        </p:spPr>
+        <p:style>
+          <a:lnRef idx="1">
+            <a:schemeClr val="accent1"/>
+          </a:lnRef>
+          <a:fillRef idx="0">
+            <a:schemeClr val="accent1"/>
+          </a:fillRef>
+          <a:effectRef idx="0">
+            <a:schemeClr val="accent1"/>
+          </a:effectRef>
+          <a:fontRef idx="minor">
+            <a:schemeClr val="tx1"/>
+          </a:fontRef>
+        </p:style>
+      </p:cxnSp>
+      <p:sp>
+        <p:nvSpPr>
+          <p:cNvPr id="165" name="Rectangle 164"/>
+          <p:cNvSpPr/>
+          <p:nvPr/>
+        </p:nvSpPr>
+        <p:spPr>
+          <a:xfrm>
+            <a:off x="6188224" y="4846227"/>
+            <a:ext cx="4838938" cy="151217"/>
+          </a:xfrm>
+          <a:prstGeom prst="rect">
+            <a:avLst/>
+          </a:prstGeom>
+          <a:solidFill>
+            <a:schemeClr val="tx1"/>
+          </a:solidFill>
+          <a:ln>
+            <a:noFill/>
+          </a:ln>
+        </p:spPr>
+        <p:style>
+          <a:lnRef idx="2">
+            <a:schemeClr val="accent1">
+              <a:shade val="50000"/>
+            </a:schemeClr>
+          </a:lnRef>
+          <a:fillRef idx="1">
+            <a:schemeClr val="accent1"/>
+          </a:fillRef>
+          <a:effectRef idx="0">
+            <a:schemeClr val="accent1"/>
+          </a:effectRef>
+          <a:fontRef idx="minor">
+            <a:schemeClr val="lt1"/>
+          </a:fontRef>
+        </p:style>
+        <p:txBody>
+          <a:bodyPr lIns="128016" tIns="64008" rIns="128016" bIns="64008" rtlCol="0" anchor="ctr"/>
+          <a:lstStyle/>
+          <a:p>
+            <a:pPr algn="ctr"/>
+            <a:endParaRPr lang="en-US"/>
+          </a:p>
+        </p:txBody>
+      </p:sp>
+      <p:sp>
+        <p:nvSpPr>
+          <p:cNvPr id="166" name="Rectangle 165"/>
+          <p:cNvSpPr/>
+          <p:nvPr/>
+        </p:nvSpPr>
+        <p:spPr>
+          <a:xfrm>
+            <a:off x="6184776" y="5004643"/>
+            <a:ext cx="4838938" cy="504056"/>
+          </a:xfrm>
+          <a:prstGeom prst="rect">
+            <a:avLst/>
+          </a:prstGeom>
+        </p:spPr>
+        <p:style>
+          <a:lnRef idx="2">
+            <a:schemeClr val="accent1">
+              <a:shade val="50000"/>
+            </a:schemeClr>
+          </a:lnRef>
+          <a:fillRef idx="1">
+            <a:schemeClr val="accent1"/>
+          </a:fillRef>
+          <a:effectRef idx="0">
+            <a:schemeClr val="accent1"/>
+          </a:effectRef>
+          <a:fontRef idx="minor">
+            <a:schemeClr val="lt1"/>
+          </a:fontRef>
+        </p:style>
+        <p:txBody>
+          <a:bodyPr lIns="128016" tIns="64008" rIns="128016" bIns="64008" rtlCol="0" anchor="ctr"/>
+          <a:lstStyle/>
+          <a:p>
+            <a:pPr algn="ctr"/>
+            <a:endParaRPr lang="en-US"/>
+          </a:p>
+        </p:txBody>
+      </p:sp>
+      <p:cxnSp>
+        <p:nvCxnSpPr>
+          <p:cNvPr id="167" name="Straight Connector 166"/>
+          <p:cNvCxnSpPr/>
+          <p:nvPr/>
+        </p:nvCxnSpPr>
+        <p:spPr>
+          <a:xfrm>
+            <a:off x="6588021" y="5508701"/>
+            <a:ext cx="0" cy="907301"/>
+          </a:xfrm>
+          <a:prstGeom prst="line">
+            <a:avLst/>
+          </a:prstGeom>
+          <a:ln w="28575"/>
+        </p:spPr>
+        <p:style>
+          <a:lnRef idx="1">
+            <a:schemeClr val="accent1"/>
+          </a:lnRef>
+          <a:fillRef idx="0">
+            <a:schemeClr val="accent1"/>
+          </a:fillRef>
+          <a:effectRef idx="0">
+            <a:schemeClr val="accent1"/>
+          </a:effectRef>
+          <a:fontRef idx="minor">
+            <a:schemeClr val="tx1"/>
+          </a:fontRef>
+        </p:style>
+      </p:cxnSp>
+      <p:cxnSp>
+        <p:nvCxnSpPr>
+          <p:cNvPr id="168" name="Straight Connector 167"/>
+          <p:cNvCxnSpPr/>
+          <p:nvPr/>
+        </p:nvCxnSpPr>
+        <p:spPr>
+          <a:xfrm>
+            <a:off x="6801381" y="5508701"/>
+            <a:ext cx="0" cy="907301"/>
+          </a:xfrm>
+          <a:prstGeom prst="line">
+            <a:avLst/>
+          </a:prstGeom>
+          <a:ln w="28575"/>
+        </p:spPr>
+        <p:style>
+          <a:lnRef idx="1">
+            <a:schemeClr val="accent1"/>
+          </a:lnRef>
+          <a:fillRef idx="0">
+            <a:schemeClr val="accent1"/>
+          </a:fillRef>
+          <a:effectRef idx="0">
+            <a:schemeClr val="accent1"/>
+          </a:effectRef>
+          <a:fontRef idx="minor">
+            <a:schemeClr val="tx1"/>
+          </a:fontRef>
+        </p:style>
+      </p:cxnSp>
+      <p:cxnSp>
+        <p:nvCxnSpPr>
+          <p:cNvPr id="169" name="Straight Connector 168"/>
+          <p:cNvCxnSpPr/>
+          <p:nvPr/>
+        </p:nvCxnSpPr>
+        <p:spPr>
+          <a:xfrm>
+            <a:off x="6991265" y="5508701"/>
+            <a:ext cx="0" cy="907301"/>
+          </a:xfrm>
+          <a:prstGeom prst="line">
+            <a:avLst/>
+          </a:prstGeom>
+          <a:ln w="28575"/>
+        </p:spPr>
+        <p:style>
+          <a:lnRef idx="1">
+            <a:schemeClr val="accent1"/>
+          </a:lnRef>
+          <a:fillRef idx="0">
+            <a:schemeClr val="accent1"/>
+          </a:fillRef>
+          <a:effectRef idx="0">
+            <a:schemeClr val="accent1"/>
+          </a:effectRef>
+          <a:fontRef idx="minor">
+            <a:schemeClr val="tx1"/>
+          </a:fontRef>
+        </p:style>
+      </p:cxnSp>
+      <p:cxnSp>
+        <p:nvCxnSpPr>
+          <p:cNvPr id="170" name="Straight Connector 169"/>
+          <p:cNvCxnSpPr/>
+          <p:nvPr/>
+        </p:nvCxnSpPr>
+        <p:spPr>
+          <a:xfrm>
+            <a:off x="7192888" y="5508701"/>
+            <a:ext cx="0" cy="907301"/>
+          </a:xfrm>
+          <a:prstGeom prst="line">
+            <a:avLst/>
+          </a:prstGeom>
+          <a:ln w="28575"/>
+        </p:spPr>
+        <p:style>
+          <a:lnRef idx="1">
+            <a:schemeClr val="accent1"/>
+          </a:lnRef>
+          <a:fillRef idx="0">
+            <a:schemeClr val="accent1"/>
+          </a:fillRef>
+          <a:effectRef idx="0">
+            <a:schemeClr val="accent1"/>
+          </a:effectRef>
+          <a:fontRef idx="minor">
+            <a:schemeClr val="tx1"/>
+          </a:fontRef>
+        </p:style>
+      </p:cxnSp>
+      <p:cxnSp>
+        <p:nvCxnSpPr>
+          <p:cNvPr id="171" name="Straight Connector 170"/>
+          <p:cNvCxnSpPr/>
+          <p:nvPr/>
+        </p:nvCxnSpPr>
+        <p:spPr>
+          <a:xfrm>
+            <a:off x="6386398" y="5508701"/>
+            <a:ext cx="0" cy="907301"/>
+          </a:xfrm>
+          <a:prstGeom prst="line">
+            <a:avLst/>
+          </a:prstGeom>
+          <a:ln w="28575"/>
+        </p:spPr>
+        <p:style>
+          <a:lnRef idx="1">
+            <a:schemeClr val="accent1"/>
+          </a:lnRef>
+          <a:fillRef idx="0">
+            <a:schemeClr val="accent1"/>
+          </a:fillRef>
+          <a:effectRef idx="0">
+            <a:schemeClr val="accent1"/>
+          </a:effectRef>
+          <a:fontRef idx="minor">
+            <a:schemeClr val="tx1"/>
+          </a:fontRef>
+        </p:style>
+      </p:cxnSp>
+      <p:cxnSp>
+        <p:nvCxnSpPr>
+          <p:cNvPr id="172" name="Straight Connector 171"/>
+          <p:cNvCxnSpPr/>
+          <p:nvPr/>
+        </p:nvCxnSpPr>
+        <p:spPr>
+          <a:xfrm>
+            <a:off x="7394510" y="5508701"/>
+            <a:ext cx="0" cy="907301"/>
+          </a:xfrm>
+          <a:prstGeom prst="line">
+            <a:avLst/>
+          </a:prstGeom>
+          <a:ln w="28575"/>
+        </p:spPr>
+        <p:style>
+          <a:lnRef idx="1">
+            <a:schemeClr val="accent1"/>
+          </a:lnRef>
+          <a:fillRef idx="0">
+            <a:schemeClr val="accent1"/>
+          </a:fillRef>
+          <a:effectRef idx="0">
+            <a:schemeClr val="accent1"/>
+          </a:effectRef>
+          <a:fontRef idx="minor">
+            <a:schemeClr val="tx1"/>
+          </a:fontRef>
+        </p:style>
+      </p:cxnSp>
+      <p:cxnSp>
+        <p:nvCxnSpPr>
+          <p:cNvPr id="173" name="Straight Connector 172"/>
+          <p:cNvCxnSpPr/>
+          <p:nvPr/>
+        </p:nvCxnSpPr>
+        <p:spPr>
+          <a:xfrm>
+            <a:off x="7596133" y="5508701"/>
+            <a:ext cx="0" cy="907301"/>
+          </a:xfrm>
+          <a:prstGeom prst="line">
+            <a:avLst/>
+          </a:prstGeom>
+          <a:ln w="28575"/>
+        </p:spPr>
+        <p:style>
+          <a:lnRef idx="1">
+            <a:schemeClr val="accent1"/>
+          </a:lnRef>
+          <a:fillRef idx="0">
+            <a:schemeClr val="accent1"/>
+          </a:fillRef>
+          <a:effectRef idx="0">
+            <a:schemeClr val="accent1"/>
+          </a:effectRef>
+          <a:fontRef idx="minor">
+            <a:schemeClr val="tx1"/>
+          </a:fontRef>
+        </p:style>
+      </p:cxnSp>
+      <p:cxnSp>
+        <p:nvCxnSpPr>
+          <p:cNvPr id="174" name="Straight Connector 173"/>
+          <p:cNvCxnSpPr/>
+          <p:nvPr/>
+        </p:nvCxnSpPr>
+        <p:spPr>
+          <a:xfrm>
+            <a:off x="7999377" y="5508701"/>
+            <a:ext cx="0" cy="907301"/>
+          </a:xfrm>
+          <a:prstGeom prst="line">
+            <a:avLst/>
+          </a:prstGeom>
+          <a:ln w="28575"/>
+        </p:spPr>
+        <p:style>
+          <a:lnRef idx="1">
+            <a:schemeClr val="accent1"/>
+          </a:lnRef>
+          <a:fillRef idx="0">
+            <a:schemeClr val="accent1"/>
+          </a:fillRef>
+          <a:effectRef idx="0">
+            <a:schemeClr val="accent1"/>
+          </a:effectRef>
+          <a:fontRef idx="minor">
+            <a:schemeClr val="tx1"/>
+          </a:fontRef>
+        </p:style>
+      </p:cxnSp>
+      <p:cxnSp>
+        <p:nvCxnSpPr>
+          <p:cNvPr id="175" name="Straight Connector 174"/>
+          <p:cNvCxnSpPr/>
+          <p:nvPr/>
+        </p:nvCxnSpPr>
+        <p:spPr>
+          <a:xfrm>
+            <a:off x="8212737" y="5508701"/>
+            <a:ext cx="0" cy="907301"/>
+          </a:xfrm>
+          <a:prstGeom prst="line">
+            <a:avLst/>
+          </a:prstGeom>
+          <a:ln w="28575"/>
+        </p:spPr>
+        <p:style>
+          <a:lnRef idx="1">
+            <a:schemeClr val="accent1"/>
+          </a:lnRef>
+          <a:fillRef idx="0">
+            <a:schemeClr val="accent1"/>
+          </a:fillRef>
+          <a:effectRef idx="0">
+            <a:schemeClr val="accent1"/>
+          </a:effectRef>
+          <a:fontRef idx="minor">
+            <a:schemeClr val="tx1"/>
+          </a:fontRef>
+        </p:style>
+      </p:cxnSp>
+      <p:cxnSp>
+        <p:nvCxnSpPr>
+          <p:cNvPr id="176" name="Straight Connector 175"/>
+          <p:cNvCxnSpPr/>
+          <p:nvPr/>
+        </p:nvCxnSpPr>
+        <p:spPr>
+          <a:xfrm>
+            <a:off x="8402622" y="5508701"/>
+            <a:ext cx="0" cy="907301"/>
+          </a:xfrm>
+          <a:prstGeom prst="line">
+            <a:avLst/>
+          </a:prstGeom>
+          <a:ln w="28575"/>
+        </p:spPr>
+        <p:style>
+          <a:lnRef idx="1">
+            <a:schemeClr val="accent1"/>
+          </a:lnRef>
+          <a:fillRef idx="0">
+            <a:schemeClr val="accent1"/>
+          </a:fillRef>
+          <a:effectRef idx="0">
+            <a:schemeClr val="accent1"/>
+          </a:effectRef>
+          <a:fontRef idx="minor">
+            <a:schemeClr val="tx1"/>
+          </a:fontRef>
+        </p:style>
+      </p:cxnSp>
+      <p:cxnSp>
+        <p:nvCxnSpPr>
+          <p:cNvPr id="177" name="Straight Connector 176"/>
+          <p:cNvCxnSpPr/>
+          <p:nvPr/>
+        </p:nvCxnSpPr>
+        <p:spPr>
+          <a:xfrm>
+            <a:off x="8604245" y="5508701"/>
+            <a:ext cx="0" cy="907301"/>
+          </a:xfrm>
+          <a:prstGeom prst="line">
+            <a:avLst/>
+          </a:prstGeom>
+          <a:ln w="28575"/>
+        </p:spPr>
+        <p:style>
+          <a:lnRef idx="1">
+            <a:schemeClr val="accent1"/>
+          </a:lnRef>
+          <a:fillRef idx="0">
+            <a:schemeClr val="accent1"/>
+          </a:fillRef>
+          <a:effectRef idx="0">
+            <a:schemeClr val="accent1"/>
+          </a:effectRef>
+          <a:fontRef idx="minor">
+            <a:schemeClr val="tx1"/>
+          </a:fontRef>
+        </p:style>
+      </p:cxnSp>
+      <p:cxnSp>
+        <p:nvCxnSpPr>
+          <p:cNvPr id="178" name="Straight Connector 177"/>
+          <p:cNvCxnSpPr/>
+          <p:nvPr/>
+        </p:nvCxnSpPr>
+        <p:spPr>
+          <a:xfrm>
+            <a:off x="7797755" y="5508701"/>
+            <a:ext cx="0" cy="907301"/>
+          </a:xfrm>
+          <a:prstGeom prst="line">
+            <a:avLst/>
+          </a:prstGeom>
+          <a:ln w="28575"/>
+        </p:spPr>
+        <p:style>
+          <a:lnRef idx="1">
+            <a:schemeClr val="accent1"/>
+          </a:lnRef>
+          <a:fillRef idx="0">
+            <a:schemeClr val="accent1"/>
+          </a:fillRef>
+          <a:effectRef idx="0">
+            <a:schemeClr val="accent1"/>
+          </a:effectRef>
+          <a:fontRef idx="minor">
+            <a:schemeClr val="tx1"/>
+          </a:fontRef>
+        </p:style>
+      </p:cxnSp>
+      <p:cxnSp>
+        <p:nvCxnSpPr>
+          <p:cNvPr id="179" name="Straight Connector 178"/>
+          <p:cNvCxnSpPr/>
+          <p:nvPr/>
+        </p:nvCxnSpPr>
+        <p:spPr>
+          <a:xfrm>
+            <a:off x="8805867" y="5508701"/>
+            <a:ext cx="0" cy="907301"/>
+          </a:xfrm>
+          <a:prstGeom prst="line">
+            <a:avLst/>
+          </a:prstGeom>
+          <a:ln w="28575"/>
+        </p:spPr>
+        <p:style>
+          <a:lnRef idx="1">
+            <a:schemeClr val="accent1"/>
+          </a:lnRef>
+          <a:fillRef idx="0">
+            <a:schemeClr val="accent1"/>
+          </a:fillRef>
+          <a:effectRef idx="0">
+            <a:schemeClr val="accent1"/>
+          </a:effectRef>
+          <a:fontRef idx="minor">
+            <a:schemeClr val="tx1"/>
+          </a:fontRef>
+        </p:style>
+      </p:cxnSp>
+      <p:cxnSp>
+        <p:nvCxnSpPr>
+          <p:cNvPr id="180" name="Straight Connector 179"/>
+          <p:cNvCxnSpPr/>
+          <p:nvPr/>
+        </p:nvCxnSpPr>
+        <p:spPr>
+          <a:xfrm>
+            <a:off x="9007489" y="5508701"/>
+            <a:ext cx="0" cy="907301"/>
+          </a:xfrm>
+          <a:prstGeom prst="line">
+            <a:avLst/>
+          </a:prstGeom>
+          <a:ln w="28575"/>
+        </p:spPr>
+        <p:style>
+          <a:lnRef idx="1">
+            <a:schemeClr val="accent1"/>
+          </a:lnRef>
+          <a:fillRef idx="0">
+            <a:schemeClr val="accent1"/>
+          </a:fillRef>
+          <a:effectRef idx="0">
+            <a:schemeClr val="accent1"/>
+          </a:effectRef>
+          <a:fontRef idx="minor">
+            <a:schemeClr val="tx1"/>
+          </a:fontRef>
+        </p:style>
+      </p:cxnSp>
+      <p:cxnSp>
+        <p:nvCxnSpPr>
+          <p:cNvPr id="181" name="Straight Connector 180"/>
+          <p:cNvCxnSpPr/>
+          <p:nvPr/>
+        </p:nvCxnSpPr>
+        <p:spPr>
+          <a:xfrm>
+            <a:off x="9410734" y="5508701"/>
+            <a:ext cx="0" cy="907301"/>
+          </a:xfrm>
+          <a:prstGeom prst="line">
+            <a:avLst/>
+          </a:prstGeom>
+          <a:ln w="28575"/>
+        </p:spPr>
+        <p:style>
+          <a:lnRef idx="1">
+            <a:schemeClr val="accent1"/>
+          </a:lnRef>
+          <a:fillRef idx="0">
+            <a:schemeClr val="accent1"/>
+          </a:fillRef>
+          <a:effectRef idx="0">
+            <a:schemeClr val="accent1"/>
+          </a:effectRef>
+          <a:fontRef idx="minor">
+            <a:schemeClr val="tx1"/>
+          </a:fontRef>
+        </p:style>
+      </p:cxnSp>
+      <p:cxnSp>
+        <p:nvCxnSpPr>
+          <p:cNvPr id="182" name="Straight Connector 181"/>
+          <p:cNvCxnSpPr/>
+          <p:nvPr/>
+        </p:nvCxnSpPr>
+        <p:spPr>
+          <a:xfrm>
+            <a:off x="9624094" y="5508701"/>
+            <a:ext cx="0" cy="907301"/>
+          </a:xfrm>
+          <a:prstGeom prst="line">
+            <a:avLst/>
+          </a:prstGeom>
+          <a:ln w="28575"/>
+        </p:spPr>
+        <p:style>
+          <a:lnRef idx="1">
+            <a:schemeClr val="accent1"/>
+          </a:lnRef>
+          <a:fillRef idx="0">
+            <a:schemeClr val="accent1"/>
+          </a:fillRef>
+          <a:effectRef idx="0">
+            <a:schemeClr val="accent1"/>
+          </a:effectRef>
+          <a:fontRef idx="minor">
+            <a:schemeClr val="tx1"/>
+          </a:fontRef>
+        </p:style>
+      </p:cxnSp>
+      <p:cxnSp>
+        <p:nvCxnSpPr>
+          <p:cNvPr id="183" name="Straight Connector 182"/>
+          <p:cNvCxnSpPr/>
+          <p:nvPr/>
+        </p:nvCxnSpPr>
+        <p:spPr>
+          <a:xfrm>
+            <a:off x="9813979" y="5508701"/>
+            <a:ext cx="0" cy="907301"/>
+          </a:xfrm>
+          <a:prstGeom prst="line">
+            <a:avLst/>
+          </a:prstGeom>
+          <a:ln w="28575"/>
+        </p:spPr>
+        <p:style>
+          <a:lnRef idx="1">
+            <a:schemeClr val="accent1"/>
+          </a:lnRef>
+          <a:fillRef idx="0">
+            <a:schemeClr val="accent1"/>
+          </a:fillRef>
+          <a:effectRef idx="0">
+            <a:schemeClr val="accent1"/>
+          </a:effectRef>
+          <a:fontRef idx="minor">
+            <a:schemeClr val="tx1"/>
+          </a:fontRef>
+        </p:style>
+      </p:cxnSp>
+      <p:cxnSp>
+        <p:nvCxnSpPr>
+          <p:cNvPr id="184" name="Straight Connector 183"/>
+          <p:cNvCxnSpPr/>
+          <p:nvPr/>
+        </p:nvCxnSpPr>
+        <p:spPr>
+          <a:xfrm>
+            <a:off x="10015601" y="5508701"/>
+            <a:ext cx="0" cy="907301"/>
+          </a:xfrm>
+          <a:prstGeom prst="line">
+            <a:avLst/>
+          </a:prstGeom>
+          <a:ln w="28575"/>
+        </p:spPr>
+        <p:style>
+          <a:lnRef idx="1">
+            <a:schemeClr val="accent1"/>
+          </a:lnRef>
+          <a:fillRef idx="0">
+            <a:schemeClr val="accent1"/>
+          </a:fillRef>
+          <a:effectRef idx="0">
+            <a:schemeClr val="accent1"/>
+          </a:effectRef>
+          <a:fontRef idx="minor">
+            <a:schemeClr val="tx1"/>
+          </a:fontRef>
+        </p:style>
+      </p:cxnSp>
+      <p:cxnSp>
+        <p:nvCxnSpPr>
+          <p:cNvPr id="185" name="Straight Connector 184"/>
+          <p:cNvCxnSpPr/>
+          <p:nvPr/>
+        </p:nvCxnSpPr>
+        <p:spPr>
+          <a:xfrm>
+            <a:off x="9209112" y="5508701"/>
+            <a:ext cx="0" cy="907301"/>
+          </a:xfrm>
+          <a:prstGeom prst="line">
+            <a:avLst/>
+          </a:prstGeom>
+          <a:ln w="28575"/>
+        </p:spPr>
+        <p:style>
+          <a:lnRef idx="1">
+            <a:schemeClr val="accent1"/>
+          </a:lnRef>
+          <a:fillRef idx="0">
+            <a:schemeClr val="accent1"/>
+          </a:fillRef>
+          <a:effectRef idx="0">
+            <a:schemeClr val="accent1"/>
+          </a:effectRef>
+          <a:fontRef idx="minor">
+            <a:schemeClr val="tx1"/>
+          </a:fontRef>
+        </p:style>
+      </p:cxnSp>
+      <p:cxnSp>
+        <p:nvCxnSpPr>
+          <p:cNvPr id="186" name="Straight Connector 185"/>
+          <p:cNvCxnSpPr/>
+          <p:nvPr/>
+        </p:nvCxnSpPr>
+        <p:spPr>
+          <a:xfrm>
+            <a:off x="10217224" y="5508701"/>
+            <a:ext cx="0" cy="907301"/>
+          </a:xfrm>
+          <a:prstGeom prst="line">
+            <a:avLst/>
+          </a:prstGeom>
+          <a:ln w="28575"/>
+        </p:spPr>
+        <p:style>
+          <a:lnRef idx="1">
+            <a:schemeClr val="accent1"/>
+          </a:lnRef>
+          <a:fillRef idx="0">
+            <a:schemeClr val="accent1"/>
+          </a:fillRef>
+          <a:effectRef idx="0">
+            <a:schemeClr val="accent1"/>
+          </a:effectRef>
+          <a:fontRef idx="minor">
+            <a:schemeClr val="tx1"/>
+          </a:fontRef>
+        </p:style>
+      </p:cxnSp>
+      <p:cxnSp>
+        <p:nvCxnSpPr>
+          <p:cNvPr id="187" name="Straight Connector 186"/>
+          <p:cNvCxnSpPr/>
+          <p:nvPr/>
+        </p:nvCxnSpPr>
+        <p:spPr>
+          <a:xfrm>
+            <a:off x="10418846" y="5508701"/>
+            <a:ext cx="0" cy="907301"/>
+          </a:xfrm>
+          <a:prstGeom prst="line">
+            <a:avLst/>
+          </a:prstGeom>
+          <a:ln w="28575"/>
+        </p:spPr>
+        <p:style>
+          <a:lnRef idx="1">
+            <a:schemeClr val="accent1"/>
+          </a:lnRef>
+          <a:fillRef idx="0">
+            <a:schemeClr val="accent1"/>
+          </a:fillRef>
+          <a:effectRef idx="0">
+            <a:schemeClr val="accent1"/>
+          </a:effectRef>
+          <a:fontRef idx="minor">
+            <a:schemeClr val="tx1"/>
+          </a:fontRef>
+        </p:style>
+      </p:cxnSp>
+      <p:cxnSp>
+        <p:nvCxnSpPr>
+          <p:cNvPr id="188" name="Straight Connector 187"/>
+          <p:cNvCxnSpPr/>
+          <p:nvPr/>
+        </p:nvCxnSpPr>
+        <p:spPr>
+          <a:xfrm>
+            <a:off x="10620469" y="5508701"/>
+            <a:ext cx="0" cy="907301"/>
+          </a:xfrm>
+          <a:prstGeom prst="line">
+            <a:avLst/>
+          </a:prstGeom>
+          <a:ln w="28575"/>
+        </p:spPr>
+        <p:style>
+          <a:lnRef idx="1">
+            <a:schemeClr val="accent1"/>
+          </a:lnRef>
+          <a:fillRef idx="0">
+            <a:schemeClr val="accent1"/>
+          </a:fillRef>
+          <a:effectRef idx="0">
+            <a:schemeClr val="accent1"/>
+          </a:effectRef>
+          <a:fontRef idx="minor">
+            <a:schemeClr val="tx1"/>
+          </a:fontRef>
+        </p:style>
+      </p:cxnSp>
+      <p:cxnSp>
+        <p:nvCxnSpPr>
+          <p:cNvPr id="189" name="Straight Connector 188"/>
+          <p:cNvCxnSpPr/>
+          <p:nvPr/>
+        </p:nvCxnSpPr>
+        <p:spPr>
+          <a:xfrm>
+            <a:off x="10822091" y="5508701"/>
+            <a:ext cx="0" cy="907301"/>
+          </a:xfrm>
+          <a:prstGeom prst="line">
+            <a:avLst/>
+          </a:prstGeom>
+          <a:ln w="28575"/>
+        </p:spPr>
+        <p:style>
+          <a:lnRef idx="1">
+            <a:schemeClr val="accent1"/>
+          </a:lnRef>
+          <a:fillRef idx="0">
+            <a:schemeClr val="accent1"/>
+          </a:fillRef>
+          <a:effectRef idx="0">
+            <a:schemeClr val="accent1"/>
+          </a:effectRef>
+          <a:fontRef idx="minor">
+            <a:schemeClr val="tx1"/>
+          </a:fontRef>
+        </p:style>
+      </p:cxnSp>
+      <p:sp>
+        <p:nvSpPr>
+          <p:cNvPr id="2" name="TextBox 1"/>
+          <p:cNvSpPr txBox="1"/>
+          <p:nvPr/>
+        </p:nvSpPr>
+        <p:spPr>
+          <a:xfrm>
+            <a:off x="424136" y="1116211"/>
+            <a:ext cx="3600400" cy="861774"/>
           </a:xfrm>
           <a:prstGeom prst="rect">
             <a:avLst/>
@@ -4623,16 +6211,46 @@
           <a:lstStyle/>
           <a:p>
             <a:r>
-              <a:rPr lang="en-US" dirty="0" smtClean="0"/>
-              <a:t>4x USB facing out, on top layer,</a:t>
-            </a:r>
-          </a:p>
-          <a:p>
-            <a:r>
-              <a:rPr lang="en-US" dirty="0" smtClean="0"/>
-              <a:t>USB are flush with header</a:t>
-            </a:r>
-            <a:endParaRPr lang="en-US" dirty="0"/>
+              <a:rPr lang="en-US" b="1" dirty="0" smtClean="0"/>
+              <a:t>Approximate assembly height</a:t>
+            </a:r>
+            <a:endParaRPr lang="en-US" b="1" dirty="0"/>
+          </a:p>
+        </p:txBody>
+      </p:sp>
+      <p:sp>
+        <p:nvSpPr>
+          <p:cNvPr id="190" name="TextBox 189"/>
+          <p:cNvSpPr txBox="1"/>
+          <p:nvPr/>
+        </p:nvSpPr>
+        <p:spPr>
+          <a:xfrm>
+            <a:off x="352127" y="4140547"/>
+            <a:ext cx="4655251" cy="2015936"/>
+          </a:xfrm>
+          <a:prstGeom prst="rect">
+            <a:avLst/>
+          </a:prstGeom>
+          <a:noFill/>
+        </p:spPr>
+        <p:txBody>
+          <a:bodyPr wrap="square" rtlCol="0">
+            <a:spAutoFit/>
+          </a:bodyPr>
+          <a:lstStyle/>
+          <a:p>
+            <a:r>
+              <a:rPr lang="en-US" b="1" dirty="0" smtClean="0"/>
+              <a:t>Assembly help:</a:t>
+            </a:r>
+          </a:p>
+          <a:p>
+            <a:r>
+              <a:rPr lang="en-US" i="1" dirty="0" smtClean="0"/>
+              <a:t>Just stack a header through the PCB and into another header, push it all the way in, fix the board in this position</a:t>
+            </a:r>
+            <a:endParaRPr lang="en-US" i="1" dirty="0"/>
           </a:p>
         </p:txBody>
       </p:sp>
@@ -4646,6 +6264,13 @@
   <p:clrMapOvr>
     <a:masterClrMapping/>
   </p:clrMapOvr>
+  <p:timing>
+    <p:tnLst>
+      <p:par>
+        <p:cTn id="1" dur="indefinite" restart="never" nodeType="tmRoot"/>
+      </p:par>
+    </p:tnLst>
+  </p:timing>
 </p:sld>
 </file>
 
